--- a/2024/Lec/Юнит 8 - регресионный подход.pptx
+++ b/2024/Lec/Юнит 8 - регресионный подход.pptx
@@ -5,7 +5,7 @@
     <p:sldMasterId id="2147483648" r:id="rId1"/>
   </p:sldMasterIdLst>
   <p:notesMasterIdLst>
-    <p:notesMasterId r:id="rId27"/>
+    <p:notesMasterId r:id="rId25"/>
   </p:notesMasterIdLst>
   <p:sldIdLst>
     <p:sldId id="304" r:id="rId2"/>
@@ -31,8 +31,6 @@
     <p:sldId id="321" r:id="rId22"/>
     <p:sldId id="322" r:id="rId23"/>
     <p:sldId id="323" r:id="rId24"/>
-    <p:sldId id="376" r:id="rId25"/>
-    <p:sldId id="377" r:id="rId26"/>
   </p:sldIdLst>
   <p:sldSz cx="12192000" cy="6858000"/>
   <p:notesSz cx="6858000" cy="9144000"/>
@@ -221,7 +219,7 @@
           <a:p>
             <a:fld id="{C730246F-5962-E14A-AAF2-985CCFDAC345}" type="datetimeFigureOut">
               <a:rPr lang="ru-RU" smtClean="0"/>
-              <a:t>14.12.2023</a:t>
+              <a:t>21.02.2024</a:t>
             </a:fld>
             <a:endParaRPr lang="ru-RU"/>
           </a:p>
@@ -805,7 +803,7 @@
           <a:p>
             <a:fld id="{44343DC6-30E4-4569-999A-C703F926F2AF}" type="datetimeFigureOut">
               <a:rPr lang="en-US" smtClean="0"/>
-              <a:t>12/14/2023</a:t>
+              <a:t>2/21/2024</a:t>
             </a:fld>
             <a:endParaRPr lang="en-US"/>
           </a:p>
@@ -1005,7 +1003,7 @@
           <a:p>
             <a:fld id="{44343DC6-30E4-4569-999A-C703F926F2AF}" type="datetimeFigureOut">
               <a:rPr lang="en-US" smtClean="0"/>
-              <a:t>12/14/2023</a:t>
+              <a:t>2/21/2024</a:t>
             </a:fld>
             <a:endParaRPr lang="en-US"/>
           </a:p>
@@ -1215,7 +1213,7 @@
           <a:p>
             <a:fld id="{44343DC6-30E4-4569-999A-C703F926F2AF}" type="datetimeFigureOut">
               <a:rPr lang="en-US" smtClean="0"/>
-              <a:t>12/14/2023</a:t>
+              <a:t>2/21/2024</a:t>
             </a:fld>
             <a:endParaRPr lang="en-US"/>
           </a:p>
@@ -1415,7 +1413,7 @@
           <a:p>
             <a:fld id="{44343DC6-30E4-4569-999A-C703F926F2AF}" type="datetimeFigureOut">
               <a:rPr lang="en-US" smtClean="0"/>
-              <a:t>12/14/2023</a:t>
+              <a:t>2/21/2024</a:t>
             </a:fld>
             <a:endParaRPr lang="en-US"/>
           </a:p>
@@ -1691,7 +1689,7 @@
           <a:p>
             <a:fld id="{44343DC6-30E4-4569-999A-C703F926F2AF}" type="datetimeFigureOut">
               <a:rPr lang="en-US" smtClean="0"/>
-              <a:t>12/14/2023</a:t>
+              <a:t>2/21/2024</a:t>
             </a:fld>
             <a:endParaRPr lang="en-US"/>
           </a:p>
@@ -1959,7 +1957,7 @@
           <a:p>
             <a:fld id="{44343DC6-30E4-4569-999A-C703F926F2AF}" type="datetimeFigureOut">
               <a:rPr lang="en-US" smtClean="0"/>
-              <a:t>12/14/2023</a:t>
+              <a:t>2/21/2024</a:t>
             </a:fld>
             <a:endParaRPr lang="en-US"/>
           </a:p>
@@ -2374,7 +2372,7 @@
           <a:p>
             <a:fld id="{44343DC6-30E4-4569-999A-C703F926F2AF}" type="datetimeFigureOut">
               <a:rPr lang="en-US" smtClean="0"/>
-              <a:t>12/14/2023</a:t>
+              <a:t>2/21/2024</a:t>
             </a:fld>
             <a:endParaRPr lang="en-US"/>
           </a:p>
@@ -2516,7 +2514,7 @@
           <a:p>
             <a:fld id="{44343DC6-30E4-4569-999A-C703F926F2AF}" type="datetimeFigureOut">
               <a:rPr lang="en-US" smtClean="0"/>
-              <a:t>12/14/2023</a:t>
+              <a:t>2/21/2024</a:t>
             </a:fld>
             <a:endParaRPr lang="en-US"/>
           </a:p>
@@ -2629,7 +2627,7 @@
           <a:p>
             <a:fld id="{44343DC6-30E4-4569-999A-C703F926F2AF}" type="datetimeFigureOut">
               <a:rPr lang="en-US" smtClean="0"/>
-              <a:t>12/14/2023</a:t>
+              <a:t>2/21/2024</a:t>
             </a:fld>
             <a:endParaRPr lang="en-US"/>
           </a:p>
@@ -2942,7 +2940,7 @@
           <a:p>
             <a:fld id="{44343DC6-30E4-4569-999A-C703F926F2AF}" type="datetimeFigureOut">
               <a:rPr lang="en-US" smtClean="0"/>
-              <a:t>12/14/2023</a:t>
+              <a:t>2/21/2024</a:t>
             </a:fld>
             <a:endParaRPr lang="en-US"/>
           </a:p>
@@ -3231,7 +3229,7 @@
           <a:p>
             <a:fld id="{44343DC6-30E4-4569-999A-C703F926F2AF}" type="datetimeFigureOut">
               <a:rPr lang="en-US" smtClean="0"/>
-              <a:t>12/14/2023</a:t>
+              <a:t>2/21/2024</a:t>
             </a:fld>
             <a:endParaRPr lang="en-US"/>
           </a:p>
@@ -3474,7 +3472,7 @@
           <a:p>
             <a:fld id="{44343DC6-30E4-4569-999A-C703F926F2AF}" type="datetimeFigureOut">
               <a:rPr lang="en-US" smtClean="0"/>
-              <a:t>12/14/2023</a:t>
+              <a:t>2/21/2024</a:t>
             </a:fld>
             <a:endParaRPr lang="en-US"/>
           </a:p>
@@ -3927,8 +3925,8 @@
           </a:p>
         </p:txBody>
       </p:sp>
-      <mc:AlternateContent xmlns:mc="http://schemas.openxmlformats.org/markup-compatibility/2006">
-        <mc:Choice xmlns:a14="http://schemas.microsoft.com/office/drawing/2010/main" Requires="a14">
+      <mc:AlternateContent xmlns:mc="http://schemas.openxmlformats.org/markup-compatibility/2006" xmlns:a14="http://schemas.microsoft.com/office/drawing/2010/main">
+        <mc:Choice Requires="a14">
           <p:sp>
             <p:nvSpPr>
               <p:cNvPr id="3" name="Объект 2">
@@ -4459,7 +4457,7 @@
             </p:txBody>
           </p:sp>
         </mc:Choice>
-        <mc:Fallback>
+        <mc:Fallback xmlns="">
           <p:sp>
             <p:nvSpPr>
               <p:cNvPr id="3" name="Объект 2">
@@ -9353,13 +9351,7 @@
                             <a:rPr lang="en-US" i="1">
                               <a:latin typeface="Cambria Math" panose="02040503050406030204" pitchFamily="18" charset="0"/>
                             </a:rPr>
-                            <m:t>=</m:t>
-                          </m:r>
-                          <m:r>
-                            <a:rPr lang="en-US" i="1">
-                              <a:latin typeface="Cambria Math" panose="02040503050406030204" pitchFamily="18" charset="0"/>
-                            </a:rPr>
-                            <m:t>1</m:t>
+                            <m:t>=1</m:t>
                           </m:r>
                         </m:sub>
                         <m:sup>
@@ -13307,2884 +13299,6 @@
 </p:sld>
 </file>
 
-<file path=ppt/slides/slide24.xml><?xml version="1.0" encoding="utf-8"?>
-<p:sld xmlns:a="http://schemas.openxmlformats.org/drawingml/2006/main" xmlns:r="http://schemas.openxmlformats.org/officeDocument/2006/relationships" xmlns:p="http://schemas.openxmlformats.org/presentationml/2006/main">
-  <p:cSld>
-    <p:spTree>
-      <p:nvGrpSpPr>
-        <p:cNvPr id="1" name=""/>
-        <p:cNvGrpSpPr/>
-        <p:nvPr/>
-      </p:nvGrpSpPr>
-      <p:grpSpPr>
-        <a:xfrm>
-          <a:off x="0" y="0"/>
-          <a:ext cx="0" cy="0"/>
-          <a:chOff x="0" y="0"/>
-          <a:chExt cx="0" cy="0"/>
-        </a:xfrm>
-      </p:grpSpPr>
-      <p:sp>
-        <p:nvSpPr>
-          <p:cNvPr id="2" name="Заголовок 1">
-            <a:extLst>
-              <a:ext uri="{FF2B5EF4-FFF2-40B4-BE49-F238E27FC236}">
-                <a16:creationId xmlns:a16="http://schemas.microsoft.com/office/drawing/2014/main" id="{E5E18C16-493F-C0F6-1226-B953C44BB2B9}"/>
-              </a:ext>
-            </a:extLst>
-          </p:cNvPr>
-          <p:cNvSpPr>
-            <a:spLocks noGrp="1"/>
-          </p:cNvSpPr>
-          <p:nvPr>
-            <p:ph type="title"/>
-          </p:nvPr>
-        </p:nvSpPr>
-        <p:spPr>
-          <a:xfrm>
-            <a:off x="425824" y="0"/>
-            <a:ext cx="10515600" cy="1325563"/>
-          </a:xfrm>
-        </p:spPr>
-        <p:txBody>
-          <a:bodyPr>
-            <a:normAutofit/>
-          </a:bodyPr>
-          <a:lstStyle/>
-          <a:p>
-            <a:r>
-              <a:rPr lang="ru-RU" sz="4800" b="1" dirty="0" smtClean="0"/>
-              <a:t>Вопросы Базовые 1й верно</a:t>
-            </a:r>
-            <a:endParaRPr lang="ru-RU" sz="4800" b="1" dirty="0"/>
-          </a:p>
-        </p:txBody>
-      </p:sp>
-      <mc:AlternateContent xmlns:mc="http://schemas.openxmlformats.org/markup-compatibility/2006" xmlns:a14="http://schemas.microsoft.com/office/drawing/2010/main">
-        <mc:Choice Requires="a14">
-          <p:sp>
-            <p:nvSpPr>
-              <p:cNvPr id="3" name="Объект 2">
-                <a:extLst>
-                  <a:ext uri="{FF2B5EF4-FFF2-40B4-BE49-F238E27FC236}">
-                    <a16:creationId xmlns:a16="http://schemas.microsoft.com/office/drawing/2014/main" id="{BE421393-E6D9-4C04-F323-217F01E33B93}"/>
-                  </a:ext>
-                </a:extLst>
-              </p:cNvPr>
-              <p:cNvSpPr>
-                <a:spLocks noGrp="1"/>
-              </p:cNvSpPr>
-              <p:nvPr>
-                <p:ph idx="1"/>
-              </p:nvPr>
-            </p:nvSpPr>
-            <p:spPr>
-              <a:xfrm>
-                <a:off x="506506" y="1129096"/>
-                <a:ext cx="10515600" cy="5614604"/>
-              </a:xfrm>
-            </p:spPr>
-            <p:txBody>
-              <a:bodyPr>
-                <a:normAutofit fontScale="55000" lnSpcReduction="20000"/>
-              </a:bodyPr>
-              <a:lstStyle/>
-              <a:p>
-                <a:r>
-                  <a:rPr lang="ru-RU" sz="2300" b="1" dirty="0" smtClean="0">
-                    <a:ea typeface="Calibri" panose="020F0502020204030204" pitchFamily="34" charset="0"/>
-                    <a:cs typeface="Times New Roman" panose="02020603050405020304" pitchFamily="18" charset="0"/>
-                  </a:rPr>
-                  <a:t>Выберите описание линейной регрессионной модели </a:t>
-                </a:r>
-                <a:r>
-                  <a:rPr lang="ru-RU" sz="2300" dirty="0" smtClean="0">
-                    <a:ea typeface="Calibri" panose="020F0502020204030204" pitchFamily="34" charset="0"/>
-                    <a:cs typeface="Times New Roman" panose="02020603050405020304" pitchFamily="18" charset="0"/>
-                  </a:rPr>
-                  <a:t> </a:t>
-                </a:r>
-              </a:p>
-              <a:p>
-                <a:pPr marL="514350" indent="-514350">
-                  <a:buFont typeface="+mj-lt"/>
-                  <a:buAutoNum type="arabicPeriod"/>
-                </a:pPr>
-                <a14:m>
-                  <m:oMath xmlns:m="http://schemas.openxmlformats.org/officeDocument/2006/math">
-                    <m:sSub>
-                      <m:sSubPr>
-                        <m:ctrlPr>
-                          <a:rPr lang="en-US" sz="2400" b="1" i="1">
-                            <a:latin typeface="Cambria Math" panose="02040503050406030204" pitchFamily="18" charset="0"/>
-                          </a:rPr>
-                        </m:ctrlPr>
-                      </m:sSubPr>
-                      <m:e>
-                        <m:acc>
-                          <m:accPr>
-                            <m:chr m:val="̂"/>
-                            <m:ctrlPr>
-                              <a:rPr lang="en-US" sz="2400" b="1" i="1">
-                                <a:latin typeface="Cambria Math" panose="02040503050406030204" pitchFamily="18" charset="0"/>
-                              </a:rPr>
-                            </m:ctrlPr>
-                          </m:accPr>
-                          <m:e>
-                            <m:r>
-                              <a:rPr lang="en-US" sz="2400" b="1" i="1">
-                                <a:latin typeface="Cambria Math" panose="02040503050406030204" pitchFamily="18" charset="0"/>
-                              </a:rPr>
-                              <m:t>𝒚</m:t>
-                            </m:r>
-                          </m:e>
-                        </m:acc>
-                      </m:e>
-                      <m:sub>
-                        <m:r>
-                          <a:rPr lang="en-US" sz="2400" b="1" i="1">
-                            <a:latin typeface="Cambria Math" panose="02040503050406030204" pitchFamily="18" charset="0"/>
-                          </a:rPr>
-                          <m:t>𝒏</m:t>
-                        </m:r>
-                      </m:sub>
-                    </m:sSub>
-                    <m:r>
-                      <a:rPr lang="en-US" sz="2400" b="1" i="1">
-                        <a:latin typeface="Cambria Math" panose="02040503050406030204" pitchFamily="18" charset="0"/>
-                      </a:rPr>
-                      <m:t>=</m:t>
-                    </m:r>
-                    <m:nary>
-                      <m:naryPr>
-                        <m:chr m:val="∑"/>
-                        <m:limLoc m:val="undOvr"/>
-                        <m:ctrlPr>
-                          <a:rPr lang="en-US" sz="2400" b="1" i="1">
-                            <a:latin typeface="Cambria Math" panose="02040503050406030204" pitchFamily="18" charset="0"/>
-                          </a:rPr>
-                        </m:ctrlPr>
-                      </m:naryPr>
-                      <m:sub>
-                        <m:r>
-                          <a:rPr lang="en-US" sz="2400" b="1" i="1">
-                            <a:latin typeface="Cambria Math" panose="02040503050406030204" pitchFamily="18" charset="0"/>
-                          </a:rPr>
-                          <m:t>𝒊</m:t>
-                        </m:r>
-                        <m:r>
-                          <a:rPr lang="en-US" sz="2400" b="1" i="1">
-                            <a:latin typeface="Cambria Math" panose="02040503050406030204" pitchFamily="18" charset="0"/>
-                          </a:rPr>
-                          <m:t>=</m:t>
-                        </m:r>
-                        <m:r>
-                          <a:rPr lang="en-US" sz="2400" b="1" i="1" smtClean="0">
-                            <a:latin typeface="Cambria Math" panose="02040503050406030204" pitchFamily="18" charset="0"/>
-                          </a:rPr>
-                          <m:t>𝒏</m:t>
-                        </m:r>
-                        <m:r>
-                          <a:rPr lang="ru-RU" sz="2400" b="1" i="1" smtClean="0">
-                            <a:latin typeface="Cambria Math" panose="02040503050406030204" pitchFamily="18" charset="0"/>
-                          </a:rPr>
-                          <m:t>−</m:t>
-                        </m:r>
-                        <m:r>
-                          <a:rPr lang="en-US" sz="2400" b="1" i="1" smtClean="0">
-                            <a:latin typeface="Cambria Math" panose="02040503050406030204" pitchFamily="18" charset="0"/>
-                          </a:rPr>
-                          <m:t>𝒑</m:t>
-                        </m:r>
-                      </m:sub>
-                      <m:sup>
-                        <m:r>
-                          <a:rPr lang="en-US" sz="2400" b="1" i="1" smtClean="0">
-                            <a:latin typeface="Cambria Math" panose="02040503050406030204" pitchFamily="18" charset="0"/>
-                          </a:rPr>
-                          <m:t>𝒏</m:t>
-                        </m:r>
-                      </m:sup>
-                      <m:e>
-                        <m:sSub>
-                          <m:sSubPr>
-                            <m:ctrlPr>
-                              <a:rPr lang="en-US" sz="2400" b="1" i="1">
-                                <a:latin typeface="Cambria Math" panose="02040503050406030204" pitchFamily="18" charset="0"/>
-                              </a:rPr>
-                            </m:ctrlPr>
-                          </m:sSubPr>
-                          <m:e>
-                            <m:r>
-                              <a:rPr lang="en-US" sz="2400" b="1" i="1">
-                                <a:latin typeface="Cambria Math" panose="02040503050406030204" pitchFamily="18" charset="0"/>
-                              </a:rPr>
-                              <m:t>𝒘</m:t>
-                            </m:r>
-                          </m:e>
-                          <m:sub>
-                            <m:r>
-                              <a:rPr lang="en-US" sz="2400" b="1" i="1">
-                                <a:latin typeface="Cambria Math" panose="02040503050406030204" pitchFamily="18" charset="0"/>
-                              </a:rPr>
-                              <m:t>𝒊</m:t>
-                            </m:r>
-                          </m:sub>
-                        </m:sSub>
-                        <m:sSub>
-                          <m:sSubPr>
-                            <m:ctrlPr>
-                              <a:rPr lang="en-US" sz="2400" b="1" i="1" smtClean="0">
-                                <a:latin typeface="Cambria Math" panose="02040503050406030204" pitchFamily="18" charset="0"/>
-                              </a:rPr>
-                            </m:ctrlPr>
-                          </m:sSubPr>
-                          <m:e>
-                            <m:r>
-                              <a:rPr lang="en-US" sz="2400" b="1" i="1" smtClean="0">
-                                <a:latin typeface="Cambria Math" panose="02040503050406030204" pitchFamily="18" charset="0"/>
-                              </a:rPr>
-                              <m:t>𝒕</m:t>
-                            </m:r>
-                          </m:e>
-                          <m:sub>
-                            <m:r>
-                              <a:rPr lang="en-US" sz="2400" b="1" i="1" smtClean="0">
-                                <a:latin typeface="Cambria Math" panose="02040503050406030204" pitchFamily="18" charset="0"/>
-                              </a:rPr>
-                              <m:t>𝒊</m:t>
-                            </m:r>
-                            <m:r>
-                              <a:rPr lang="en-US" sz="2400" b="1" i="1" smtClean="0">
-                                <a:latin typeface="Cambria Math" panose="02040503050406030204" pitchFamily="18" charset="0"/>
-                              </a:rPr>
-                              <m:t>+</m:t>
-                            </m:r>
-                            <m:r>
-                              <a:rPr lang="en-US" sz="2400" b="1" i="1" smtClean="0">
-                                <a:latin typeface="Cambria Math" panose="02040503050406030204" pitchFamily="18" charset="0"/>
-                              </a:rPr>
-                              <m:t>𝒏</m:t>
-                            </m:r>
-                            <m:r>
-                              <a:rPr lang="en-US" sz="2400" b="1" i="1" smtClean="0">
-                                <a:latin typeface="Cambria Math" panose="02040503050406030204" pitchFamily="18" charset="0"/>
-                              </a:rPr>
-                              <m:t>−</m:t>
-                            </m:r>
-                            <m:r>
-                              <a:rPr lang="en-US" sz="2400" b="1" i="1" smtClean="0">
-                                <a:latin typeface="Cambria Math" panose="02040503050406030204" pitchFamily="18" charset="0"/>
-                              </a:rPr>
-                              <m:t>𝒑</m:t>
-                            </m:r>
-                          </m:sub>
-                        </m:sSub>
-                      </m:e>
-                    </m:nary>
-                    <m:r>
-                      <a:rPr lang="ru-RU" sz="2400" b="1" i="0" smtClean="0">
-                        <a:latin typeface="Cambria Math" panose="02040503050406030204" pitchFamily="18" charset="0"/>
-                      </a:rPr>
-                      <m:t>,</m:t>
-                    </m:r>
-                    <m:sSub>
-                      <m:sSubPr>
-                        <m:ctrlPr>
-                          <a:rPr lang="en-US" sz="2400" b="1" i="1">
-                            <a:latin typeface="Cambria Math" panose="02040503050406030204" pitchFamily="18" charset="0"/>
-                          </a:rPr>
-                        </m:ctrlPr>
-                      </m:sSubPr>
-                      <m:e>
-                        <m:r>
-                          <a:rPr lang="en-US" sz="2400" b="1" i="1">
-                            <a:latin typeface="Cambria Math" panose="02040503050406030204" pitchFamily="18" charset="0"/>
-                          </a:rPr>
-                          <m:t>𝒘</m:t>
-                        </m:r>
-                      </m:e>
-                      <m:sub>
-                        <m:r>
-                          <a:rPr lang="en-US" sz="2400" b="1" i="1">
-                            <a:latin typeface="Cambria Math" panose="02040503050406030204" pitchFamily="18" charset="0"/>
-                          </a:rPr>
-                          <m:t>𝒊</m:t>
-                        </m:r>
-                      </m:sub>
-                    </m:sSub>
-                  </m:oMath>
-                </a14:m>
-                <a:r>
-                  <a:rPr lang="ru-RU" sz="2300" b="1" dirty="0" smtClean="0">
-                    <a:ea typeface="Calibri" panose="020F0502020204030204" pitchFamily="34" charset="0"/>
-                    <a:cs typeface="Times New Roman" panose="02020603050405020304" pitchFamily="18" charset="0"/>
-                  </a:rPr>
-                  <a:t> - подлежат оценке. </a:t>
-                </a:r>
-              </a:p>
-              <a:p>
-                <a:pPr marL="514350" indent="-514350">
-                  <a:buFont typeface="+mj-lt"/>
-                  <a:buAutoNum type="arabicPeriod"/>
-                </a:pPr>
-                <a:r>
-                  <a:rPr lang="ru-RU" sz="2300" dirty="0" smtClean="0">
-                    <a:ea typeface="Calibri" panose="020F0502020204030204" pitchFamily="34" charset="0"/>
-                    <a:cs typeface="Times New Roman" panose="02020603050405020304" pitchFamily="18" charset="0"/>
-                  </a:rPr>
-                  <a:t> </a:t>
-                </a:r>
-                <a14:m>
-                  <m:oMath xmlns:m="http://schemas.openxmlformats.org/officeDocument/2006/math">
-                    <m:sSub>
-                      <m:sSubPr>
-                        <m:ctrlPr>
-                          <a:rPr lang="en-US" sz="2000" i="1">
-                            <a:latin typeface="Cambria Math" panose="02040503050406030204" pitchFamily="18" charset="0"/>
-                          </a:rPr>
-                        </m:ctrlPr>
-                      </m:sSubPr>
-                      <m:e>
-                        <m:acc>
-                          <m:accPr>
-                            <m:chr m:val="̂"/>
-                            <m:ctrlPr>
-                              <a:rPr lang="en-US" sz="2000" i="1">
-                                <a:latin typeface="Cambria Math" panose="02040503050406030204" pitchFamily="18" charset="0"/>
-                              </a:rPr>
-                            </m:ctrlPr>
-                          </m:accPr>
-                          <m:e>
-                            <m:r>
-                              <a:rPr lang="en-US" sz="2000" i="1">
-                                <a:latin typeface="Cambria Math" panose="02040503050406030204" pitchFamily="18" charset="0"/>
-                              </a:rPr>
-                              <m:t>𝑦</m:t>
-                            </m:r>
-                          </m:e>
-                        </m:acc>
-                      </m:e>
-                      <m:sub>
-                        <m:r>
-                          <a:rPr lang="en-US" sz="2000" i="1">
-                            <a:latin typeface="Cambria Math" panose="02040503050406030204" pitchFamily="18" charset="0"/>
-                          </a:rPr>
-                          <m:t>𝑛</m:t>
-                        </m:r>
-                      </m:sub>
-                    </m:sSub>
-                    <m:r>
-                      <a:rPr lang="en-US" sz="2000" i="1">
-                        <a:latin typeface="Cambria Math" panose="02040503050406030204" pitchFamily="18" charset="0"/>
-                      </a:rPr>
-                      <m:t>=</m:t>
-                    </m:r>
-                    <m:nary>
-                      <m:naryPr>
-                        <m:chr m:val="∑"/>
-                        <m:limLoc m:val="undOvr"/>
-                        <m:ctrlPr>
-                          <a:rPr lang="en-US" sz="2000" i="1">
-                            <a:latin typeface="Cambria Math" panose="02040503050406030204" pitchFamily="18" charset="0"/>
-                          </a:rPr>
-                        </m:ctrlPr>
-                      </m:naryPr>
-                      <m:sub>
-                        <m:r>
-                          <a:rPr lang="en-US" sz="2000" i="1">
-                            <a:latin typeface="Cambria Math" panose="02040503050406030204" pitchFamily="18" charset="0"/>
-                          </a:rPr>
-                          <m:t>𝑖</m:t>
-                        </m:r>
-                        <m:r>
-                          <a:rPr lang="en-US" sz="2000" i="1">
-                            <a:latin typeface="Cambria Math" panose="02040503050406030204" pitchFamily="18" charset="0"/>
-                          </a:rPr>
-                          <m:t>=</m:t>
-                        </m:r>
-                        <m:r>
-                          <a:rPr lang="en-US" sz="2000" i="1">
-                            <a:latin typeface="Cambria Math" panose="02040503050406030204" pitchFamily="18" charset="0"/>
-                          </a:rPr>
-                          <m:t>𝑛</m:t>
-                        </m:r>
-                        <m:r>
-                          <a:rPr lang="ru-RU" sz="2000" i="1">
-                            <a:latin typeface="Cambria Math" panose="02040503050406030204" pitchFamily="18" charset="0"/>
-                          </a:rPr>
-                          <m:t>−</m:t>
-                        </m:r>
-                        <m:r>
-                          <a:rPr lang="en-US" sz="2000" i="1">
-                            <a:latin typeface="Cambria Math" panose="02040503050406030204" pitchFamily="18" charset="0"/>
-                          </a:rPr>
-                          <m:t>𝑝</m:t>
-                        </m:r>
-                      </m:sub>
-                      <m:sup>
-                        <m:r>
-                          <a:rPr lang="en-US" sz="2000" i="1">
-                            <a:latin typeface="Cambria Math" panose="02040503050406030204" pitchFamily="18" charset="0"/>
-                          </a:rPr>
-                          <m:t>𝑛</m:t>
-                        </m:r>
-                      </m:sup>
-                      <m:e>
-                        <m:r>
-                          <m:rPr>
-                            <m:sty m:val="p"/>
-                          </m:rPr>
-                          <a:rPr lang="en-US" sz="2000" b="0" i="0" smtClean="0">
-                            <a:latin typeface="Cambria Math" panose="02040503050406030204" pitchFamily="18" charset="0"/>
-                          </a:rPr>
-                          <m:t>exp</m:t>
-                        </m:r>
-                        <m:r>
-                          <a:rPr lang="en-US" sz="2000" b="0" i="1" smtClean="0">
-                            <a:latin typeface="Cambria Math" panose="02040503050406030204" pitchFamily="18" charset="0"/>
-                          </a:rPr>
-                          <m:t>⁡(</m:t>
-                        </m:r>
-                        <m:sSub>
-                          <m:sSubPr>
-                            <m:ctrlPr>
-                              <a:rPr lang="en-US" sz="2000" i="1">
-                                <a:latin typeface="Cambria Math" panose="02040503050406030204" pitchFamily="18" charset="0"/>
-                              </a:rPr>
-                            </m:ctrlPr>
-                          </m:sSubPr>
-                          <m:e>
-                            <m:r>
-                              <a:rPr lang="en-US" sz="2000" i="1">
-                                <a:latin typeface="Cambria Math" panose="02040503050406030204" pitchFamily="18" charset="0"/>
-                              </a:rPr>
-                              <m:t>𝑤</m:t>
-                            </m:r>
-                          </m:e>
-                          <m:sub>
-                            <m:r>
-                              <a:rPr lang="en-US" sz="2000" i="1">
-                                <a:latin typeface="Cambria Math" panose="02040503050406030204" pitchFamily="18" charset="0"/>
-                              </a:rPr>
-                              <m:t>𝑖</m:t>
-                            </m:r>
-                          </m:sub>
-                        </m:sSub>
-                        <m:r>
-                          <a:rPr lang="en-US" sz="2000" i="1">
-                            <a:latin typeface="Cambria Math" panose="02040503050406030204" pitchFamily="18" charset="0"/>
-                          </a:rPr>
-                          <m:t>𝑥</m:t>
-                        </m:r>
-                        <m:r>
-                          <a:rPr lang="en-US" sz="2000" i="1">
-                            <a:latin typeface="Cambria Math" panose="02040503050406030204" pitchFamily="18" charset="0"/>
-                          </a:rPr>
-                          <m:t>(</m:t>
-                        </m:r>
-                        <m:r>
-                          <a:rPr lang="en-US" sz="2000" i="1">
-                            <a:latin typeface="Cambria Math" panose="02040503050406030204" pitchFamily="18" charset="0"/>
-                          </a:rPr>
-                          <m:t>𝑛</m:t>
-                        </m:r>
-                        <m:r>
-                          <a:rPr lang="en-US" sz="2000" i="1">
-                            <a:latin typeface="Cambria Math" panose="02040503050406030204" pitchFamily="18" charset="0"/>
-                          </a:rPr>
-                          <m:t>))</m:t>
-                        </m:r>
-                      </m:e>
-                    </m:nary>
-                    <m:r>
-                      <a:rPr lang="ru-RU" sz="2000">
-                        <a:latin typeface="Cambria Math" panose="02040503050406030204" pitchFamily="18" charset="0"/>
-                      </a:rPr>
-                      <m:t>,</m:t>
-                    </m:r>
-                    <m:sSub>
-                      <m:sSubPr>
-                        <m:ctrlPr>
-                          <a:rPr lang="en-US" sz="2000" i="1">
-                            <a:latin typeface="Cambria Math" panose="02040503050406030204" pitchFamily="18" charset="0"/>
-                          </a:rPr>
-                        </m:ctrlPr>
-                      </m:sSubPr>
-                      <m:e>
-                        <m:r>
-                          <a:rPr lang="en-US" sz="2000" i="1">
-                            <a:latin typeface="Cambria Math" panose="02040503050406030204" pitchFamily="18" charset="0"/>
-                          </a:rPr>
-                          <m:t>𝑤</m:t>
-                        </m:r>
-                      </m:e>
-                      <m:sub>
-                        <m:r>
-                          <a:rPr lang="en-US" sz="2000" i="1">
-                            <a:latin typeface="Cambria Math" panose="02040503050406030204" pitchFamily="18" charset="0"/>
-                          </a:rPr>
-                          <m:t>𝑖</m:t>
-                        </m:r>
-                      </m:sub>
-                    </m:sSub>
-                  </m:oMath>
-                </a14:m>
-                <a:r>
-                  <a:rPr lang="ru-RU" sz="2000" dirty="0">
-                    <a:ea typeface="Calibri" panose="020F0502020204030204" pitchFamily="34" charset="0"/>
-                    <a:cs typeface="Times New Roman" panose="02020603050405020304" pitchFamily="18" charset="0"/>
-                  </a:rPr>
-                  <a:t> - подлежат </a:t>
-                </a:r>
-                <a:r>
-                  <a:rPr lang="ru-RU" sz="2000" dirty="0" smtClean="0">
-                    <a:ea typeface="Calibri" panose="020F0502020204030204" pitchFamily="34" charset="0"/>
-                    <a:cs typeface="Times New Roman" panose="02020603050405020304" pitchFamily="18" charset="0"/>
-                  </a:rPr>
-                  <a:t>оценке</a:t>
-                </a:r>
-              </a:p>
-              <a:p>
-                <a:pPr marL="514350" indent="-514350">
-                  <a:buFont typeface="+mj-lt"/>
-                  <a:buAutoNum type="arabicPeriod"/>
-                </a:pPr>
-                <a14:m>
-                  <m:oMath xmlns:m="http://schemas.openxmlformats.org/officeDocument/2006/math">
-                    <m:sSub>
-                      <m:sSubPr>
-                        <m:ctrlPr>
-                          <a:rPr lang="en-US" sz="2000" i="1">
-                            <a:latin typeface="Cambria Math" panose="02040503050406030204" pitchFamily="18" charset="0"/>
-                          </a:rPr>
-                        </m:ctrlPr>
-                      </m:sSubPr>
-                      <m:e>
-                        <m:acc>
-                          <m:accPr>
-                            <m:chr m:val="̂"/>
-                            <m:ctrlPr>
-                              <a:rPr lang="en-US" sz="2000" i="1">
-                                <a:latin typeface="Cambria Math" panose="02040503050406030204" pitchFamily="18" charset="0"/>
-                              </a:rPr>
-                            </m:ctrlPr>
-                          </m:accPr>
-                          <m:e>
-                            <m:r>
-                              <a:rPr lang="en-US" sz="2000" i="1">
-                                <a:latin typeface="Cambria Math" panose="02040503050406030204" pitchFamily="18" charset="0"/>
-                              </a:rPr>
-                              <m:t>𝑦</m:t>
-                            </m:r>
-                          </m:e>
-                        </m:acc>
-                      </m:e>
-                      <m:sub>
-                        <m:r>
-                          <a:rPr lang="en-US" sz="2000" i="1">
-                            <a:latin typeface="Cambria Math" panose="02040503050406030204" pitchFamily="18" charset="0"/>
-                          </a:rPr>
-                          <m:t>𝑛</m:t>
-                        </m:r>
-                      </m:sub>
-                    </m:sSub>
-                    <m:r>
-                      <a:rPr lang="en-US" sz="2000" i="1">
-                        <a:latin typeface="Cambria Math" panose="02040503050406030204" pitchFamily="18" charset="0"/>
-                      </a:rPr>
-                      <m:t>=</m:t>
-                    </m:r>
-                    <m:nary>
-                      <m:naryPr>
-                        <m:chr m:val="∑"/>
-                        <m:limLoc m:val="undOvr"/>
-                        <m:ctrlPr>
-                          <a:rPr lang="en-US" sz="2000" i="1">
-                            <a:latin typeface="Cambria Math" panose="02040503050406030204" pitchFamily="18" charset="0"/>
-                          </a:rPr>
-                        </m:ctrlPr>
-                      </m:naryPr>
-                      <m:sub>
-                        <m:r>
-                          <a:rPr lang="en-US" sz="2000" i="1">
-                            <a:latin typeface="Cambria Math" panose="02040503050406030204" pitchFamily="18" charset="0"/>
-                          </a:rPr>
-                          <m:t>𝑖</m:t>
-                        </m:r>
-                        <m:r>
-                          <a:rPr lang="en-US" sz="2000" i="1">
-                            <a:latin typeface="Cambria Math" panose="02040503050406030204" pitchFamily="18" charset="0"/>
-                          </a:rPr>
-                          <m:t>=</m:t>
-                        </m:r>
-                        <m:r>
-                          <a:rPr lang="en-US" sz="2000" i="1">
-                            <a:latin typeface="Cambria Math" panose="02040503050406030204" pitchFamily="18" charset="0"/>
-                          </a:rPr>
-                          <m:t>𝑛</m:t>
-                        </m:r>
-                        <m:r>
-                          <a:rPr lang="ru-RU" sz="2000" i="1">
-                            <a:latin typeface="Cambria Math" panose="02040503050406030204" pitchFamily="18" charset="0"/>
-                          </a:rPr>
-                          <m:t>−</m:t>
-                        </m:r>
-                        <m:r>
-                          <a:rPr lang="en-US" sz="2000" i="1">
-                            <a:latin typeface="Cambria Math" panose="02040503050406030204" pitchFamily="18" charset="0"/>
-                          </a:rPr>
-                          <m:t>𝑝</m:t>
-                        </m:r>
-                      </m:sub>
-                      <m:sup>
-                        <m:r>
-                          <a:rPr lang="en-US" sz="2000" i="1">
-                            <a:latin typeface="Cambria Math" panose="02040503050406030204" pitchFamily="18" charset="0"/>
-                          </a:rPr>
-                          <m:t>𝑛</m:t>
-                        </m:r>
-                      </m:sup>
-                      <m:e>
-                        <m:sSub>
-                          <m:sSubPr>
-                            <m:ctrlPr>
-                              <a:rPr lang="en-US" sz="2000" i="1">
-                                <a:latin typeface="Cambria Math" panose="02040503050406030204" pitchFamily="18" charset="0"/>
-                              </a:rPr>
-                            </m:ctrlPr>
-                          </m:sSubPr>
-                          <m:e>
-                            <m:r>
-                              <a:rPr lang="en-US" sz="2000" i="1">
-                                <a:latin typeface="Cambria Math" panose="02040503050406030204" pitchFamily="18" charset="0"/>
-                              </a:rPr>
-                              <m:t>𝑤</m:t>
-                            </m:r>
-                          </m:e>
-                          <m:sub>
-                            <m:r>
-                              <a:rPr lang="en-US" sz="2000" i="1">
-                                <a:latin typeface="Cambria Math" panose="02040503050406030204" pitchFamily="18" charset="0"/>
-                              </a:rPr>
-                              <m:t>𝑖</m:t>
-                            </m:r>
-                          </m:sub>
-                        </m:sSub>
-                        <m:sSub>
-                          <m:sSubPr>
-                            <m:ctrlPr>
-                              <a:rPr lang="en-US" sz="2000" i="1">
-                                <a:latin typeface="Cambria Math" panose="02040503050406030204" pitchFamily="18" charset="0"/>
-                              </a:rPr>
-                            </m:ctrlPr>
-                          </m:sSubPr>
-                          <m:e>
-                            <m:r>
-                              <a:rPr lang="en-US" sz="2000" i="1">
-                                <a:latin typeface="Cambria Math" panose="02040503050406030204" pitchFamily="18" charset="0"/>
-                              </a:rPr>
-                              <m:t>𝑡</m:t>
-                            </m:r>
-                          </m:e>
-                          <m:sub>
-                            <m:r>
-                              <a:rPr lang="en-US" sz="2000" i="1">
-                                <a:latin typeface="Cambria Math" panose="02040503050406030204" pitchFamily="18" charset="0"/>
-                              </a:rPr>
-                              <m:t>𝑖</m:t>
-                            </m:r>
-                            <m:r>
-                              <a:rPr lang="en-US" sz="2000" i="1">
-                                <a:latin typeface="Cambria Math" panose="02040503050406030204" pitchFamily="18" charset="0"/>
-                              </a:rPr>
-                              <m:t>+</m:t>
-                            </m:r>
-                            <m:r>
-                              <a:rPr lang="en-US" sz="2000" i="1">
-                                <a:latin typeface="Cambria Math" panose="02040503050406030204" pitchFamily="18" charset="0"/>
-                              </a:rPr>
-                              <m:t>𝑛</m:t>
-                            </m:r>
-                            <m:r>
-                              <a:rPr lang="en-US" sz="2000" i="1">
-                                <a:latin typeface="Cambria Math" panose="02040503050406030204" pitchFamily="18" charset="0"/>
-                              </a:rPr>
-                              <m:t>−</m:t>
-                            </m:r>
-                            <m:r>
-                              <a:rPr lang="en-US" sz="2000" i="1">
-                                <a:latin typeface="Cambria Math" panose="02040503050406030204" pitchFamily="18" charset="0"/>
-                              </a:rPr>
-                              <m:t>𝑝</m:t>
-                            </m:r>
-                          </m:sub>
-                        </m:sSub>
-                      </m:e>
-                    </m:nary>
-                    <m:r>
-                      <a:rPr lang="ru-RU" sz="2000">
-                        <a:latin typeface="Cambria Math" panose="02040503050406030204" pitchFamily="18" charset="0"/>
-                      </a:rPr>
-                      <m:t>,</m:t>
-                    </m:r>
-                    <m:r>
-                      <a:rPr lang="en-US" sz="2000" b="0" i="1" smtClean="0">
-                        <a:latin typeface="Cambria Math" panose="02040503050406030204" pitchFamily="18" charset="0"/>
-                      </a:rPr>
-                      <m:t>𝑝</m:t>
-                    </m:r>
-                  </m:oMath>
-                </a14:m>
-                <a:r>
-                  <a:rPr lang="ru-RU" sz="2000" dirty="0">
-                    <a:ea typeface="Calibri" panose="020F0502020204030204" pitchFamily="34" charset="0"/>
-                    <a:cs typeface="Times New Roman" panose="02020603050405020304" pitchFamily="18" charset="0"/>
-                  </a:rPr>
-                  <a:t> - подлежат оценке. </a:t>
-                </a:r>
-              </a:p>
-              <a:p>
-                <a:pPr marL="514350" indent="-514350">
-                  <a:buFont typeface="+mj-lt"/>
-                  <a:buAutoNum type="arabicPeriod"/>
-                </a:pPr>
-                <a14:m>
-                  <m:oMath xmlns:m="http://schemas.openxmlformats.org/officeDocument/2006/math">
-                    <m:sSub>
-                      <m:sSubPr>
-                        <m:ctrlPr>
-                          <a:rPr lang="en-US" sz="2400" i="1">
-                            <a:latin typeface="Cambria Math" panose="02040503050406030204" pitchFamily="18" charset="0"/>
-                          </a:rPr>
-                        </m:ctrlPr>
-                      </m:sSubPr>
-                      <m:e>
-                        <m:acc>
-                          <m:accPr>
-                            <m:chr m:val="̂"/>
-                            <m:ctrlPr>
-                              <a:rPr lang="en-US" sz="2400" i="1">
-                                <a:latin typeface="Cambria Math" panose="02040503050406030204" pitchFamily="18" charset="0"/>
-                              </a:rPr>
-                            </m:ctrlPr>
-                          </m:accPr>
-                          <m:e>
-                            <m:r>
-                              <a:rPr lang="en-US" sz="2400" i="1">
-                                <a:latin typeface="Cambria Math" panose="02040503050406030204" pitchFamily="18" charset="0"/>
-                              </a:rPr>
-                              <m:t>𝑦</m:t>
-                            </m:r>
-                          </m:e>
-                        </m:acc>
-                      </m:e>
-                      <m:sub>
-                        <m:r>
-                          <a:rPr lang="en-US" sz="2400" i="1">
-                            <a:latin typeface="Cambria Math" panose="02040503050406030204" pitchFamily="18" charset="0"/>
-                          </a:rPr>
-                          <m:t>𝑛</m:t>
-                        </m:r>
-                      </m:sub>
-                    </m:sSub>
-                    <m:r>
-                      <a:rPr lang="en-US" sz="2400" i="1">
-                        <a:latin typeface="Cambria Math" panose="02040503050406030204" pitchFamily="18" charset="0"/>
-                      </a:rPr>
-                      <m:t>=</m:t>
-                    </m:r>
-                    <m:nary>
-                      <m:naryPr>
-                        <m:chr m:val="∑"/>
-                        <m:limLoc m:val="undOvr"/>
-                        <m:ctrlPr>
-                          <a:rPr lang="en-US" sz="2400" i="1">
-                            <a:latin typeface="Cambria Math" panose="02040503050406030204" pitchFamily="18" charset="0"/>
-                          </a:rPr>
-                        </m:ctrlPr>
-                      </m:naryPr>
-                      <m:sub>
-                        <m:r>
-                          <a:rPr lang="en-US" sz="2400" i="1">
-                            <a:latin typeface="Cambria Math" panose="02040503050406030204" pitchFamily="18" charset="0"/>
-                          </a:rPr>
-                          <m:t>𝑖</m:t>
-                        </m:r>
-                        <m:r>
-                          <a:rPr lang="en-US" sz="2400" i="1">
-                            <a:latin typeface="Cambria Math" panose="02040503050406030204" pitchFamily="18" charset="0"/>
-                          </a:rPr>
-                          <m:t>=</m:t>
-                        </m:r>
-                        <m:r>
-                          <a:rPr lang="en-US" sz="2400" i="1">
-                            <a:latin typeface="Cambria Math" panose="02040503050406030204" pitchFamily="18" charset="0"/>
-                          </a:rPr>
-                          <m:t>𝑛</m:t>
-                        </m:r>
-                        <m:r>
-                          <a:rPr lang="ru-RU" sz="2400" i="1">
-                            <a:latin typeface="Cambria Math" panose="02040503050406030204" pitchFamily="18" charset="0"/>
-                          </a:rPr>
-                          <m:t>−</m:t>
-                        </m:r>
-                        <m:r>
-                          <a:rPr lang="en-US" sz="2400" i="1">
-                            <a:latin typeface="Cambria Math" panose="02040503050406030204" pitchFamily="18" charset="0"/>
-                          </a:rPr>
-                          <m:t>𝑝</m:t>
-                        </m:r>
-                      </m:sub>
-                      <m:sup>
-                        <m:r>
-                          <a:rPr lang="en-US" sz="2400" i="1">
-                            <a:latin typeface="Cambria Math" panose="02040503050406030204" pitchFamily="18" charset="0"/>
-                          </a:rPr>
-                          <m:t>𝑛</m:t>
-                        </m:r>
-                      </m:sup>
-                      <m:e>
-                        <m:r>
-                          <m:rPr>
-                            <m:sty m:val="p"/>
-                          </m:rPr>
-                          <a:rPr lang="en-US" sz="2400" b="0" i="0" smtClean="0">
-                            <a:latin typeface="Cambria Math" panose="02040503050406030204" pitchFamily="18" charset="0"/>
-                          </a:rPr>
-                          <m:t>log</m:t>
-                        </m:r>
-                        <m:r>
-                          <a:rPr lang="en-US" sz="2400" i="1">
-                            <a:latin typeface="Cambria Math" panose="02040503050406030204" pitchFamily="18" charset="0"/>
-                          </a:rPr>
-                          <m:t>⁡(</m:t>
-                        </m:r>
-                        <m:sSub>
-                          <m:sSubPr>
-                            <m:ctrlPr>
-                              <a:rPr lang="en-US" sz="2400" i="1">
-                                <a:latin typeface="Cambria Math" panose="02040503050406030204" pitchFamily="18" charset="0"/>
-                              </a:rPr>
-                            </m:ctrlPr>
-                          </m:sSubPr>
-                          <m:e>
-                            <m:r>
-                              <a:rPr lang="en-US" sz="2400" i="1">
-                                <a:latin typeface="Cambria Math" panose="02040503050406030204" pitchFamily="18" charset="0"/>
-                              </a:rPr>
-                              <m:t>𝑤</m:t>
-                            </m:r>
-                          </m:e>
-                          <m:sub>
-                            <m:r>
-                              <a:rPr lang="en-US" sz="2400" i="1">
-                                <a:latin typeface="Cambria Math" panose="02040503050406030204" pitchFamily="18" charset="0"/>
-                              </a:rPr>
-                              <m:t>𝑖</m:t>
-                            </m:r>
-                          </m:sub>
-                        </m:sSub>
-                        <m:r>
-                          <a:rPr lang="en-US" sz="2400" i="1">
-                            <a:latin typeface="Cambria Math" panose="02040503050406030204" pitchFamily="18" charset="0"/>
-                          </a:rPr>
-                          <m:t>𝑥</m:t>
-                        </m:r>
-                        <m:r>
-                          <a:rPr lang="en-US" sz="2400" i="1">
-                            <a:latin typeface="Cambria Math" panose="02040503050406030204" pitchFamily="18" charset="0"/>
-                          </a:rPr>
-                          <m:t>(</m:t>
-                        </m:r>
-                        <m:r>
-                          <a:rPr lang="en-US" sz="2400" i="1">
-                            <a:latin typeface="Cambria Math" panose="02040503050406030204" pitchFamily="18" charset="0"/>
-                          </a:rPr>
-                          <m:t>𝑛</m:t>
-                        </m:r>
-                        <m:r>
-                          <a:rPr lang="en-US" sz="2400" i="1">
-                            <a:latin typeface="Cambria Math" panose="02040503050406030204" pitchFamily="18" charset="0"/>
-                          </a:rPr>
-                          <m:t>))</m:t>
-                        </m:r>
-                      </m:e>
-                    </m:nary>
-                    <m:r>
-                      <a:rPr lang="ru-RU" sz="2400">
-                        <a:latin typeface="Cambria Math" panose="02040503050406030204" pitchFamily="18" charset="0"/>
-                      </a:rPr>
-                      <m:t>,</m:t>
-                    </m:r>
-                    <m:sSub>
-                      <m:sSubPr>
-                        <m:ctrlPr>
-                          <a:rPr lang="en-US" sz="2400" i="1">
-                            <a:latin typeface="Cambria Math" panose="02040503050406030204" pitchFamily="18" charset="0"/>
-                          </a:rPr>
-                        </m:ctrlPr>
-                      </m:sSubPr>
-                      <m:e>
-                        <m:r>
-                          <a:rPr lang="en-US" sz="2400" b="0" i="1" smtClean="0">
-                            <a:latin typeface="Cambria Math" panose="02040503050406030204" pitchFamily="18" charset="0"/>
-                          </a:rPr>
-                          <m:t>𝑝</m:t>
-                        </m:r>
-                      </m:e>
-                      <m:sub>
-                        <m:r>
-                          <a:rPr lang="en-US" sz="2400" i="1">
-                            <a:latin typeface="Cambria Math" panose="02040503050406030204" pitchFamily="18" charset="0"/>
-                          </a:rPr>
-                          <m:t>𝑖</m:t>
-                        </m:r>
-                      </m:sub>
-                    </m:sSub>
-                  </m:oMath>
-                </a14:m>
-                <a:r>
-                  <a:rPr lang="ru-RU" sz="2400" dirty="0">
-                    <a:ea typeface="Calibri" panose="020F0502020204030204" pitchFamily="34" charset="0"/>
-                    <a:cs typeface="Times New Roman" panose="02020603050405020304" pitchFamily="18" charset="0"/>
-                  </a:rPr>
-                  <a:t> - подлежат оценке</a:t>
-                </a:r>
-              </a:p>
-              <a:p>
-                <a:r>
-                  <a:rPr lang="ru-RU" sz="2400" b="1" dirty="0"/>
-                  <a:t>Плохо обусловленная </a:t>
-                </a:r>
-                <a:r>
-                  <a:rPr lang="ru-RU" sz="2400" b="1" dirty="0" smtClean="0"/>
-                  <a:t>–</a:t>
-                </a:r>
-                <a:r>
-                  <a:rPr lang="en-US" sz="2400" b="1" dirty="0" smtClean="0"/>
-                  <a:t> </a:t>
-                </a:r>
-                <a:r>
-                  <a:rPr lang="ru-RU" sz="2400" b="1" dirty="0" smtClean="0"/>
-                  <a:t>это если </a:t>
-                </a:r>
-                <a:r>
-                  <a:rPr lang="ru-RU" sz="2400" b="1" dirty="0"/>
-                  <a:t>относительно высокая изменчивость результатов оценки, </a:t>
-                </a:r>
-                <a:r>
-                  <a:rPr lang="ru-RU" sz="2400" b="1" dirty="0" smtClean="0"/>
-                  <a:t>вызвана</a:t>
-                </a:r>
-                <a:endParaRPr lang="ru-RU" sz="2300" b="1" dirty="0" smtClean="0">
-                  <a:ea typeface="Calibri" panose="020F0502020204030204" pitchFamily="34" charset="0"/>
-                  <a:cs typeface="Times New Roman" panose="02020603050405020304" pitchFamily="18" charset="0"/>
-                </a:endParaRPr>
-              </a:p>
-              <a:p>
-                <a:pPr marL="514350" indent="-514350">
-                  <a:buFont typeface="+mj-lt"/>
-                  <a:buAutoNum type="arabicPeriod"/>
-                </a:pPr>
-                <a:r>
-                  <a:rPr lang="ru-RU" sz="2000" b="1" dirty="0" smtClean="0"/>
-                  <a:t>небольшим возмущением (изменением) </a:t>
-                </a:r>
-                <a:r>
-                  <a:rPr lang="ru-RU" sz="2000" b="1" dirty="0"/>
-                  <a:t>входных </a:t>
-                </a:r>
-                <a:r>
-                  <a:rPr lang="ru-RU" sz="2000" b="1" dirty="0" smtClean="0"/>
-                  <a:t>данных</a:t>
-                </a:r>
-                <a:r>
-                  <a:rPr lang="ru-RU" sz="2000" b="1" dirty="0" smtClean="0">
-                    <a:ea typeface="Calibri" panose="020F0502020204030204" pitchFamily="34" charset="0"/>
-                    <a:cs typeface="Times New Roman" panose="02020603050405020304" pitchFamily="18" charset="0"/>
-                  </a:rPr>
-                  <a:t> </a:t>
-                </a:r>
-                <a:endParaRPr lang="en-US" sz="2000" b="1" dirty="0" smtClean="0">
-                  <a:ea typeface="Calibri" panose="020F0502020204030204" pitchFamily="34" charset="0"/>
-                  <a:cs typeface="Times New Roman" panose="02020603050405020304" pitchFamily="18" charset="0"/>
-                </a:endParaRPr>
-              </a:p>
-              <a:p>
-                <a:pPr marL="514350" indent="-514350">
-                  <a:buFont typeface="+mj-lt"/>
-                  <a:buAutoNum type="arabicPeriod"/>
-                </a:pPr>
-                <a:r>
-                  <a:rPr lang="ru-RU" sz="2400" dirty="0" smtClean="0">
-                    <a:ea typeface="Calibri" panose="020F0502020204030204" pitchFamily="34" charset="0"/>
-                    <a:cs typeface="Times New Roman" panose="02020603050405020304" pitchFamily="18" charset="0"/>
-                  </a:rPr>
-                  <a:t>Пропусками во входных данных </a:t>
-                </a:r>
-                <a:endParaRPr lang="en-US" sz="2400" dirty="0">
-                  <a:ea typeface="Calibri" panose="020F0502020204030204" pitchFamily="34" charset="0"/>
-                  <a:cs typeface="Times New Roman" panose="02020603050405020304" pitchFamily="18" charset="0"/>
-                </a:endParaRPr>
-              </a:p>
-              <a:p>
-                <a:pPr marL="514350" indent="-514350">
-                  <a:buFont typeface="+mj-lt"/>
-                  <a:buAutoNum type="arabicPeriod"/>
-                </a:pPr>
-                <a:r>
-                  <a:rPr lang="ru-RU" sz="2300" dirty="0" smtClean="0">
-                    <a:ea typeface="Calibri" panose="020F0502020204030204" pitchFamily="34" charset="0"/>
-                    <a:cs typeface="Times New Roman" panose="02020603050405020304" pitchFamily="18" charset="0"/>
-                  </a:rPr>
-                  <a:t>Слишком большим объемом входных данных</a:t>
-                </a:r>
-              </a:p>
-              <a:p>
-                <a:pPr marL="514350" indent="-514350">
-                  <a:buFont typeface="+mj-lt"/>
-                  <a:buAutoNum type="arabicPeriod"/>
-                </a:pPr>
-                <a:r>
-                  <a:rPr lang="ru-RU" sz="2400" dirty="0" smtClean="0"/>
-                  <a:t>большим </a:t>
-                </a:r>
-                <a:r>
-                  <a:rPr lang="ru-RU" sz="2400" dirty="0"/>
-                  <a:t>возмущением (изменением</a:t>
-                </a:r>
-                <a:r>
-                  <a:rPr lang="ru-RU" sz="2400" dirty="0" smtClean="0"/>
-                  <a:t>) входных </a:t>
-                </a:r>
-                <a:r>
-                  <a:rPr lang="ru-RU" sz="2400" dirty="0"/>
-                  <a:t>данных</a:t>
-                </a:r>
-                <a:r>
-                  <a:rPr lang="ru-RU" sz="2400" dirty="0">
-                    <a:ea typeface="Calibri" panose="020F0502020204030204" pitchFamily="34" charset="0"/>
-                    <a:cs typeface="Times New Roman" panose="02020603050405020304" pitchFamily="18" charset="0"/>
-                  </a:rPr>
-                  <a:t> </a:t>
-                </a:r>
-                <a:endParaRPr lang="en-US" sz="2400" dirty="0">
-                  <a:ea typeface="Calibri" panose="020F0502020204030204" pitchFamily="34" charset="0"/>
-                  <a:cs typeface="Times New Roman" panose="02020603050405020304" pitchFamily="18" charset="0"/>
-                </a:endParaRPr>
-              </a:p>
-              <a:p>
-                <a:r>
-                  <a:rPr lang="ru-RU" sz="2400" b="1" dirty="0" smtClean="0"/>
-                  <a:t>Задача нелинейной регрессии чаще решается</a:t>
-                </a:r>
-                <a:endParaRPr lang="ru-RU" sz="2300" b="1" dirty="0">
-                  <a:ea typeface="Calibri" panose="020F0502020204030204" pitchFamily="34" charset="0"/>
-                  <a:cs typeface="Times New Roman" panose="02020603050405020304" pitchFamily="18" charset="0"/>
-                </a:endParaRPr>
-              </a:p>
-              <a:p>
-                <a:pPr marL="514350" indent="-514350">
-                  <a:buFont typeface="+mj-lt"/>
-                  <a:buAutoNum type="arabicPeriod"/>
-                </a:pPr>
-                <a:r>
-                  <a:rPr lang="ru-RU" sz="2300" b="1" dirty="0" smtClean="0">
-                    <a:ea typeface="Calibri" panose="020F0502020204030204" pitchFamily="34" charset="0"/>
-                    <a:cs typeface="Times New Roman" panose="02020603050405020304" pitchFamily="18" charset="0"/>
-                  </a:rPr>
-                  <a:t>Методом градиентного спуска</a:t>
-                </a:r>
-              </a:p>
-              <a:p>
-                <a:pPr marL="514350" indent="-514350">
-                  <a:buFont typeface="+mj-lt"/>
-                  <a:buAutoNum type="arabicPeriod"/>
-                </a:pPr>
-                <a:r>
-                  <a:rPr lang="ru-RU" sz="2300" dirty="0" smtClean="0">
-                    <a:ea typeface="Calibri" panose="020F0502020204030204" pitchFamily="34" charset="0"/>
-                    <a:cs typeface="Times New Roman" panose="02020603050405020304" pitchFamily="18" charset="0"/>
-                  </a:rPr>
-                  <a:t>Аналитическими выражениями </a:t>
-                </a:r>
-                <a:endParaRPr lang="ru-RU" sz="2300" dirty="0">
-                  <a:ea typeface="Calibri" panose="020F0502020204030204" pitchFamily="34" charset="0"/>
-                  <a:cs typeface="Times New Roman" panose="02020603050405020304" pitchFamily="18" charset="0"/>
-                </a:endParaRPr>
-              </a:p>
-              <a:p>
-                <a:pPr marL="514350" indent="-514350">
-                  <a:buFont typeface="+mj-lt"/>
-                  <a:buAutoNum type="arabicPeriod"/>
-                </a:pPr>
-                <a:r>
-                  <a:rPr lang="ru-RU" sz="2300" dirty="0" smtClean="0">
-                    <a:ea typeface="Calibri" panose="020F0502020204030204" pitchFamily="34" charset="0"/>
-                    <a:cs typeface="Times New Roman" panose="02020603050405020304" pitchFamily="18" charset="0"/>
-                  </a:rPr>
-                  <a:t>Табличным методом</a:t>
-                </a:r>
-              </a:p>
-              <a:p>
-                <a:pPr marL="514350" indent="-514350">
-                  <a:buFont typeface="+mj-lt"/>
-                  <a:buAutoNum type="arabicPeriod"/>
-                </a:pPr>
-                <a:r>
-                  <a:rPr lang="ru-RU" sz="2400" dirty="0" smtClean="0">
-                    <a:ea typeface="Calibri" panose="020F0502020204030204" pitchFamily="34" charset="0"/>
-                    <a:cs typeface="Times New Roman" panose="02020603050405020304" pitchFamily="18" charset="0"/>
-                  </a:rPr>
-                  <a:t>Случайным перебором значений</a:t>
-                </a:r>
-              </a:p>
-              <a:p>
-                <a:r>
-                  <a:rPr lang="en-US" sz="2400" b="1" dirty="0" smtClean="0"/>
-                  <a:t>STL </a:t>
-                </a:r>
-                <a:r>
-                  <a:rPr lang="ru-RU" sz="2400" b="1" dirty="0" smtClean="0"/>
-                  <a:t>разложение это</a:t>
-                </a:r>
-              </a:p>
-              <a:p>
-                <a:pPr marL="457200" indent="-457200">
-                  <a:buFont typeface="+mj-lt"/>
-                  <a:buAutoNum type="arabicPeriod"/>
-                </a:pPr>
-                <a:r>
-                  <a:rPr lang="ru-RU" sz="2400" b="1" dirty="0" smtClean="0">
-                    <a:ea typeface="Calibri" panose="020F0502020204030204" pitchFamily="34" charset="0"/>
-                    <a:cs typeface="Times New Roman" panose="02020603050405020304" pitchFamily="18" charset="0"/>
-                  </a:rPr>
-                  <a:t>Разложение на тренд-сезон с использованием локальной регрессии</a:t>
-                </a:r>
-              </a:p>
-              <a:p>
-                <a:pPr marL="457200" indent="-457200">
-                  <a:buFont typeface="+mj-lt"/>
-                  <a:buAutoNum type="arabicPeriod"/>
-                </a:pPr>
-                <a:r>
-                  <a:rPr lang="ru-RU" sz="2400" dirty="0" smtClean="0">
-                    <a:ea typeface="Calibri" panose="020F0502020204030204" pitchFamily="34" charset="0"/>
-                    <a:cs typeface="Times New Roman" panose="02020603050405020304" pitchFamily="18" charset="0"/>
-                  </a:rPr>
-                  <a:t>Разложение при помощи скользящего среднего</a:t>
-                </a:r>
-              </a:p>
-              <a:p>
-                <a:pPr marL="457200" indent="-457200">
-                  <a:buFont typeface="+mj-lt"/>
-                  <a:buAutoNum type="arabicPeriod"/>
-                </a:pPr>
-                <a:r>
-                  <a:rPr lang="ru-RU" sz="2400" dirty="0" smtClean="0">
-                    <a:ea typeface="Calibri" panose="020F0502020204030204" pitchFamily="34" charset="0"/>
-                    <a:cs typeface="Times New Roman" panose="02020603050405020304" pitchFamily="18" charset="0"/>
-                  </a:rPr>
-                  <a:t>Разложение при помощи тройного экспоненциального сглаживания</a:t>
-                </a:r>
-              </a:p>
-              <a:p>
-                <a:pPr marL="457200" indent="-457200">
-                  <a:buFont typeface="+mj-lt"/>
-                  <a:buAutoNum type="arabicPeriod"/>
-                </a:pPr>
-                <a:r>
-                  <a:rPr lang="ru-RU" sz="2400" dirty="0" smtClean="0">
-                    <a:ea typeface="Calibri" panose="020F0502020204030204" pitchFamily="34" charset="0"/>
-                    <a:cs typeface="Times New Roman" panose="02020603050405020304" pitchFamily="18" charset="0"/>
-                  </a:rPr>
-                  <a:t> </a:t>
-                </a:r>
-                <a:r>
-                  <a:rPr lang="ru-RU" sz="2000" dirty="0">
-                    <a:ea typeface="Calibri" panose="020F0502020204030204" pitchFamily="34" charset="0"/>
-                    <a:cs typeface="Times New Roman" panose="02020603050405020304" pitchFamily="18" charset="0"/>
-                  </a:rPr>
-                  <a:t>Разложение при </a:t>
-                </a:r>
-                <a:r>
-                  <a:rPr lang="ru-RU" sz="2000" dirty="0" smtClean="0">
-                    <a:ea typeface="Calibri" panose="020F0502020204030204" pitchFamily="34" charset="0"/>
-                    <a:cs typeface="Times New Roman" panose="02020603050405020304" pitchFamily="18" charset="0"/>
-                  </a:rPr>
-                  <a:t>помощи модели обобщенной регрессии</a:t>
-                </a:r>
-              </a:p>
-              <a:p>
-                <a:pPr marL="0" indent="0">
-                  <a:buNone/>
-                </a:pPr>
-                <a:endParaRPr lang="ru-RU" sz="2300" dirty="0">
-                  <a:ea typeface="Calibri" panose="020F0502020204030204" pitchFamily="34" charset="0"/>
-                  <a:cs typeface="Times New Roman" panose="02020603050405020304" pitchFamily="18" charset="0"/>
-                </a:endParaRPr>
-              </a:p>
-              <a:p>
-                <a:pPr marL="514350" indent="-514350">
-                  <a:buFont typeface="+mj-lt"/>
-                  <a:buAutoNum type="arabicPeriod"/>
-                </a:pPr>
-                <a:endParaRPr lang="ru-RU" sz="2400" dirty="0" smtClean="0">
-                  <a:ea typeface="Calibri" panose="020F0502020204030204" pitchFamily="34" charset="0"/>
-                  <a:cs typeface="Times New Roman" panose="02020603050405020304" pitchFamily="18" charset="0"/>
-                </a:endParaRPr>
-              </a:p>
-              <a:p>
-                <a:pPr marL="514350" indent="-514350">
-                  <a:buFont typeface="+mj-lt"/>
-                  <a:buAutoNum type="arabicPeriod"/>
-                </a:pPr>
-                <a:endParaRPr lang="ru-RU" dirty="0">
-                  <a:ea typeface="Calibri" panose="020F0502020204030204" pitchFamily="34" charset="0"/>
-                  <a:cs typeface="Times New Roman" panose="02020603050405020304" pitchFamily="18" charset="0"/>
-                </a:endParaRPr>
-              </a:p>
-              <a:p>
-                <a:pPr marL="514350" indent="-514350">
-                  <a:buFont typeface="+mj-lt"/>
-                  <a:buAutoNum type="arabicPeriod"/>
-                </a:pPr>
-                <a:endParaRPr lang="ru-RU" dirty="0">
-                  <a:ea typeface="Calibri" panose="020F0502020204030204" pitchFamily="34" charset="0"/>
-                  <a:cs typeface="Times New Roman" panose="02020603050405020304" pitchFamily="18" charset="0"/>
-                </a:endParaRPr>
-              </a:p>
-              <a:p>
-                <a:endParaRPr lang="ru-RU" dirty="0"/>
-              </a:p>
-            </p:txBody>
-          </p:sp>
-        </mc:Choice>
-        <mc:Fallback xmlns="">
-          <p:sp>
-            <p:nvSpPr>
-              <p:cNvPr id="3" name="Объект 2">
-                <a:extLst>
-                  <a:ext uri="{FF2B5EF4-FFF2-40B4-BE49-F238E27FC236}">
-                    <a16:creationId xmlns:a16="http://schemas.microsoft.com/office/drawing/2014/main" id="{BE421393-E6D9-4C04-F323-217F01E33B93}"/>
-                  </a:ext>
-                </a:extLst>
-              </p:cNvPr>
-              <p:cNvSpPr>
-                <a:spLocks noGrp="1" noRot="1" noChangeAspect="1" noMove="1" noResize="1" noEditPoints="1" noAdjustHandles="1" noChangeArrowheads="1" noChangeShapeType="1" noTextEdit="1"/>
-              </p:cNvSpPr>
-              <p:nvPr>
-                <p:ph idx="1"/>
-              </p:nvPr>
-            </p:nvSpPr>
-            <p:spPr>
-              <a:xfrm>
-                <a:off x="506506" y="1129096"/>
-                <a:ext cx="10515600" cy="5614604"/>
-              </a:xfrm>
-              <a:blipFill>
-                <a:blip r:embed="rId2"/>
-                <a:stretch>
-                  <a:fillRect l="-116" t="-1520"/>
-                </a:stretch>
-              </a:blipFill>
-            </p:spPr>
-            <p:txBody>
-              <a:bodyPr/>
-              <a:lstStyle/>
-              <a:p>
-                <a:r>
-                  <a:rPr lang="ru-RU">
-                    <a:noFill/>
-                  </a:rPr>
-                  <a:t> </a:t>
-                </a:r>
-              </a:p>
-            </p:txBody>
-          </p:sp>
-        </mc:Fallback>
-      </mc:AlternateContent>
-    </p:spTree>
-    <p:extLst>
-      <p:ext uri="{BB962C8B-B14F-4D97-AF65-F5344CB8AC3E}">
-        <p14:creationId xmlns:p14="http://schemas.microsoft.com/office/powerpoint/2010/main" val="111141038"/>
-      </p:ext>
-    </p:extLst>
-  </p:cSld>
-  <p:clrMapOvr>
-    <a:masterClrMapping/>
-  </p:clrMapOvr>
-  <p:timing>
-    <p:tnLst>
-      <p:par>
-        <p:cTn id="1" dur="indefinite" restart="never" nodeType="tmRoot"/>
-      </p:par>
-    </p:tnLst>
-  </p:timing>
-</p:sld>
-</file>
-
-<file path=ppt/slides/slide25.xml><?xml version="1.0" encoding="utf-8"?>
-<p:sld xmlns:a="http://schemas.openxmlformats.org/drawingml/2006/main" xmlns:r="http://schemas.openxmlformats.org/officeDocument/2006/relationships" xmlns:p="http://schemas.openxmlformats.org/presentationml/2006/main">
-  <p:cSld>
-    <p:spTree>
-      <p:nvGrpSpPr>
-        <p:cNvPr id="1" name=""/>
-        <p:cNvGrpSpPr/>
-        <p:nvPr/>
-      </p:nvGrpSpPr>
-      <p:grpSpPr>
-        <a:xfrm>
-          <a:off x="0" y="0"/>
-          <a:ext cx="0" cy="0"/>
-          <a:chOff x="0" y="0"/>
-          <a:chExt cx="0" cy="0"/>
-        </a:xfrm>
-      </p:grpSpPr>
-      <p:sp>
-        <p:nvSpPr>
-          <p:cNvPr id="2" name="Заголовок 1">
-            <a:extLst>
-              <a:ext uri="{FF2B5EF4-FFF2-40B4-BE49-F238E27FC236}">
-                <a16:creationId xmlns:a16="http://schemas.microsoft.com/office/drawing/2014/main" id="{E5E18C16-493F-C0F6-1226-B953C44BB2B9}"/>
-              </a:ext>
-            </a:extLst>
-          </p:cNvPr>
-          <p:cNvSpPr>
-            <a:spLocks noGrp="1"/>
-          </p:cNvSpPr>
-          <p:nvPr>
-            <p:ph type="title"/>
-          </p:nvPr>
-        </p:nvSpPr>
-        <p:spPr>
-          <a:xfrm>
-            <a:off x="774010" y="124974"/>
-            <a:ext cx="10515600" cy="1325563"/>
-          </a:xfrm>
-        </p:spPr>
-        <p:txBody>
-          <a:bodyPr>
-            <a:normAutofit/>
-          </a:bodyPr>
-          <a:lstStyle/>
-          <a:p>
-            <a:r>
-              <a:rPr lang="ru-RU" sz="4800" b="1" dirty="0" smtClean="0"/>
-              <a:t>Вопросы Продвинутые </a:t>
-            </a:r>
-            <a:r>
-              <a:rPr lang="en-US" sz="4800" b="1" dirty="0" smtClean="0"/>
-              <a:t>(X)-</a:t>
-            </a:r>
-            <a:r>
-              <a:rPr lang="ru-RU" sz="4800" b="1" dirty="0" smtClean="0"/>
-              <a:t>верно</a:t>
-            </a:r>
-            <a:endParaRPr lang="ru-RU" sz="4800" b="1" dirty="0"/>
-          </a:p>
-        </p:txBody>
-      </p:sp>
-      <mc:AlternateContent xmlns:mc="http://schemas.openxmlformats.org/markup-compatibility/2006" xmlns:a14="http://schemas.microsoft.com/office/drawing/2010/main">
-        <mc:Choice Requires="a14">
-          <p:sp>
-            <p:nvSpPr>
-              <p:cNvPr id="3" name="Объект 2">
-                <a:extLst>
-                  <a:ext uri="{FF2B5EF4-FFF2-40B4-BE49-F238E27FC236}">
-                    <a16:creationId xmlns:a16="http://schemas.microsoft.com/office/drawing/2014/main" id="{BE421393-E6D9-4C04-F323-217F01E33B93}"/>
-                  </a:ext>
-                </a:extLst>
-              </p:cNvPr>
-              <p:cNvSpPr>
-                <a:spLocks noGrp="1"/>
-              </p:cNvSpPr>
-              <p:nvPr>
-                <p:ph idx="1"/>
-              </p:nvPr>
-            </p:nvSpPr>
-            <p:spPr>
-              <a:xfrm>
-                <a:off x="398929" y="1075308"/>
-                <a:ext cx="10515600" cy="3823898"/>
-              </a:xfrm>
-            </p:spPr>
-            <p:txBody>
-              <a:bodyPr>
-                <a:normAutofit fontScale="85000" lnSpcReduction="10000"/>
-              </a:bodyPr>
-              <a:lstStyle/>
-              <a:p>
-                <a:r>
-                  <a:rPr lang="ru-RU" sz="2300" b="1" dirty="0" smtClean="0">
-                    <a:ea typeface="Calibri" panose="020F0502020204030204" pitchFamily="34" charset="0"/>
-                    <a:cs typeface="Times New Roman" panose="02020603050405020304" pitchFamily="18" charset="0"/>
-                  </a:rPr>
-                  <a:t>Выберите примеры нелинейной регрессии</a:t>
-                </a:r>
-                <a:r>
-                  <a:rPr lang="en-US" sz="2300" b="1" dirty="0" smtClean="0">
-                    <a:ea typeface="Calibri" panose="020F0502020204030204" pitchFamily="34" charset="0"/>
-                    <a:cs typeface="Times New Roman" panose="02020603050405020304" pitchFamily="18" charset="0"/>
-                  </a:rPr>
-                  <a:t> </a:t>
-                </a:r>
-                <a:r>
-                  <a:rPr lang="ru-RU" sz="2300" b="1" dirty="0" smtClean="0">
-                    <a:ea typeface="Calibri" panose="020F0502020204030204" pitchFamily="34" charset="0"/>
-                    <a:cs typeface="Times New Roman" panose="02020603050405020304" pitchFamily="18" charset="0"/>
-                  </a:rPr>
-                  <a:t>относительно вектора </a:t>
-                </a:r>
-                <a14:m>
-                  <m:oMath xmlns:m="http://schemas.openxmlformats.org/officeDocument/2006/math">
-                    <m:r>
-                      <a:rPr lang="en-US" sz="2400" i="1">
-                        <a:latin typeface="Cambria Math" panose="02040503050406030204" pitchFamily="18" charset="0"/>
-                      </a:rPr>
-                      <m:t>𝑋</m:t>
-                    </m:r>
-                  </m:oMath>
-                </a14:m>
-                <a:endParaRPr lang="ru-RU" sz="2300" b="1" dirty="0" smtClean="0">
-                  <a:ea typeface="Calibri" panose="020F0502020204030204" pitchFamily="34" charset="0"/>
-                  <a:cs typeface="Times New Roman" panose="02020603050405020304" pitchFamily="18" charset="0"/>
-                </a:endParaRPr>
-              </a:p>
-              <a:p>
-                <a:pPr marL="971550" lvl="1" indent="-514350">
-                  <a:buFont typeface="+mj-lt"/>
-                  <a:buAutoNum type="arabicPeriod"/>
-                </a:pPr>
-                <a14:m>
-                  <m:oMath xmlns:m="http://schemas.openxmlformats.org/officeDocument/2006/math">
-                    <m:acc>
-                      <m:accPr>
-                        <m:chr m:val="̂"/>
-                        <m:ctrlPr>
-                          <a:rPr lang="en-US" i="1">
-                            <a:latin typeface="Cambria Math" panose="02040503050406030204" pitchFamily="18" charset="0"/>
-                          </a:rPr>
-                        </m:ctrlPr>
-                      </m:accPr>
-                      <m:e>
-                        <m:r>
-                          <a:rPr lang="en-US" i="1">
-                            <a:latin typeface="Cambria Math" panose="02040503050406030204" pitchFamily="18" charset="0"/>
-                          </a:rPr>
-                          <m:t>𝑓</m:t>
-                        </m:r>
-                      </m:e>
-                    </m:acc>
-                    <m:r>
-                      <a:rPr lang="en-US" i="1">
-                        <a:latin typeface="Cambria Math" panose="02040503050406030204" pitchFamily="18" charset="0"/>
-                      </a:rPr>
-                      <m:t>(</m:t>
-                    </m:r>
-                    <m:r>
-                      <a:rPr lang="en-US" i="1">
-                        <a:latin typeface="Cambria Math" panose="02040503050406030204" pitchFamily="18" charset="0"/>
-                      </a:rPr>
-                      <m:t>𝑥</m:t>
-                    </m:r>
-                    <m:r>
-                      <a:rPr lang="en-US" i="1">
-                        <a:latin typeface="Cambria Math" panose="02040503050406030204" pitchFamily="18" charset="0"/>
-                      </a:rPr>
-                      <m:t>)=</m:t>
-                    </m:r>
-                    <m:nary>
-                      <m:naryPr>
-                        <m:chr m:val="∑"/>
-                        <m:limLoc m:val="undOvr"/>
-                        <m:ctrlPr>
-                          <a:rPr lang="en-US" i="1">
-                            <a:latin typeface="Cambria Math" panose="02040503050406030204" pitchFamily="18" charset="0"/>
-                          </a:rPr>
-                        </m:ctrlPr>
-                      </m:naryPr>
-                      <m:sub>
-                        <m:r>
-                          <a:rPr lang="en-US" i="1">
-                            <a:latin typeface="Cambria Math" panose="02040503050406030204" pitchFamily="18" charset="0"/>
-                          </a:rPr>
-                          <m:t>𝑖</m:t>
-                        </m:r>
-                        <m:r>
-                          <a:rPr lang="en-US" i="1">
-                            <a:latin typeface="Cambria Math" panose="02040503050406030204" pitchFamily="18" charset="0"/>
-                          </a:rPr>
-                          <m:t>=</m:t>
-                        </m:r>
-                        <m:r>
-                          <a:rPr lang="en-US" i="1">
-                            <a:latin typeface="Cambria Math" panose="02040503050406030204" pitchFamily="18" charset="0"/>
-                          </a:rPr>
-                          <m:t>1</m:t>
-                        </m:r>
-                      </m:sub>
-                      <m:sup>
-                        <m:r>
-                          <a:rPr lang="en-US" i="1">
-                            <a:latin typeface="Cambria Math" panose="02040503050406030204" pitchFamily="18" charset="0"/>
-                          </a:rPr>
-                          <m:t>𝑀</m:t>
-                        </m:r>
-                      </m:sup>
-                      <m:e>
-                        <m:sSub>
-                          <m:sSubPr>
-                            <m:ctrlPr>
-                              <a:rPr lang="en-US" i="1">
-                                <a:latin typeface="Cambria Math" panose="02040503050406030204" pitchFamily="18" charset="0"/>
-                              </a:rPr>
-                            </m:ctrlPr>
-                          </m:sSubPr>
-                          <m:e>
-                            <m:r>
-                              <a:rPr lang="en-US" i="1">
-                                <a:latin typeface="Cambria Math" panose="02040503050406030204" pitchFamily="18" charset="0"/>
-                              </a:rPr>
-                              <m:t>𝛼</m:t>
-                            </m:r>
-                          </m:e>
-                          <m:sub>
-                            <m:r>
-                              <a:rPr lang="en-US" i="1">
-                                <a:latin typeface="Cambria Math" panose="02040503050406030204" pitchFamily="18" charset="0"/>
-                              </a:rPr>
-                              <m:t>𝑖</m:t>
-                            </m:r>
-                          </m:sub>
-                        </m:sSub>
-                      </m:e>
-                    </m:nary>
-                    <m:func>
-                      <m:funcPr>
-                        <m:ctrlPr>
-                          <a:rPr lang="en-US" b="0" i="1" smtClean="0">
-                            <a:latin typeface="Cambria Math" panose="02040503050406030204" pitchFamily="18" charset="0"/>
-                          </a:rPr>
-                        </m:ctrlPr>
-                      </m:funcPr>
-                      <m:fName>
-                        <m:sSup>
-                          <m:sSupPr>
-                            <m:ctrlPr>
-                              <a:rPr lang="en-US" b="0" i="1" smtClean="0">
-                                <a:latin typeface="Cambria Math" panose="02040503050406030204" pitchFamily="18" charset="0"/>
-                              </a:rPr>
-                            </m:ctrlPr>
-                          </m:sSupPr>
-                          <m:e>
-                            <m:r>
-                              <m:rPr>
-                                <m:sty m:val="p"/>
-                              </m:rPr>
-                              <a:rPr lang="en-US" i="0">
-                                <a:latin typeface="Cambria Math" panose="02040503050406030204" pitchFamily="18" charset="0"/>
-                              </a:rPr>
-                              <m:t>exp</m:t>
-                            </m:r>
-                          </m:e>
-                          <m:sup>
-                            <m:r>
-                              <a:rPr lang="en-US" b="0" i="1" smtClean="0">
-                                <a:latin typeface="Cambria Math" panose="02040503050406030204" pitchFamily="18" charset="0"/>
-                              </a:rPr>
-                              <m:t>−</m:t>
-                            </m:r>
-                            <m:r>
-                              <a:rPr lang="en-US" b="0" i="1" smtClean="0">
-                                <a:latin typeface="Cambria Math" panose="02040503050406030204" pitchFamily="18" charset="0"/>
-                              </a:rPr>
-                              <m:t>1</m:t>
-                            </m:r>
-                          </m:sup>
-                        </m:sSup>
-                      </m:fName>
-                      <m:e>
-                        <m:r>
-                          <a:rPr lang="en-US" i="1">
-                            <a:latin typeface="Cambria Math" panose="02040503050406030204" pitchFamily="18" charset="0"/>
-                          </a:rPr>
-                          <m:t>(</m:t>
-                        </m:r>
-                        <m:sSup>
-                          <m:sSupPr>
-                            <m:ctrlPr>
-                              <a:rPr lang="en-US" i="1">
-                                <a:latin typeface="Cambria Math" panose="02040503050406030204" pitchFamily="18" charset="0"/>
-                              </a:rPr>
-                            </m:ctrlPr>
-                          </m:sSupPr>
-                          <m:e>
-                            <m:r>
-                              <a:rPr lang="en-US" i="1">
-                                <a:latin typeface="Cambria Math" panose="02040503050406030204" pitchFamily="18" charset="0"/>
-                              </a:rPr>
-                              <m:t>𝑊</m:t>
-                            </m:r>
-                          </m:e>
-                          <m:sup>
-                            <m:r>
-                              <a:rPr lang="en-US" i="1">
-                                <a:latin typeface="Cambria Math" panose="02040503050406030204" pitchFamily="18" charset="0"/>
-                              </a:rPr>
-                              <m:t>𝑇</m:t>
-                            </m:r>
-                          </m:sup>
-                        </m:sSup>
-                        <m:r>
-                          <a:rPr lang="en-US" i="1">
-                            <a:latin typeface="Cambria Math" panose="02040503050406030204" pitchFamily="18" charset="0"/>
-                          </a:rPr>
-                          <m:t>𝑋</m:t>
-                        </m:r>
-                        <m:r>
-                          <a:rPr lang="en-US" i="1">
-                            <a:latin typeface="Cambria Math" panose="02040503050406030204" pitchFamily="18" charset="0"/>
-                          </a:rPr>
-                          <m:t>)</m:t>
-                        </m:r>
-                      </m:e>
-                    </m:func>
-                    <m:r>
-                      <a:rPr lang="en-US" i="1" smtClean="0">
-                        <a:latin typeface="Cambria Math" panose="02040503050406030204" pitchFamily="18" charset="0"/>
-                      </a:rPr>
-                      <m:t> </m:t>
-                    </m:r>
-                  </m:oMath>
-                </a14:m>
-                <a:r>
-                  <a:rPr lang="ru-RU" dirty="0" smtClean="0">
-                    <a:cs typeface="Times New Roman" panose="02020603050405020304" pitchFamily="18" charset="0"/>
-                  </a:rPr>
-                  <a:t>(х)</a:t>
-                </a:r>
-              </a:p>
-              <a:p>
-                <a:pPr marL="971550" lvl="1" indent="-514350">
-                  <a:buFont typeface="+mj-lt"/>
-                  <a:buAutoNum type="arabicPeriod"/>
-                </a:pPr>
-                <a14:m>
-                  <m:oMath xmlns:m="http://schemas.openxmlformats.org/officeDocument/2006/math">
-                    <m:acc>
-                      <m:accPr>
-                        <m:chr m:val="̂"/>
-                        <m:ctrlPr>
-                          <a:rPr lang="en-US" i="1">
-                            <a:latin typeface="Cambria Math" panose="02040503050406030204" pitchFamily="18" charset="0"/>
-                          </a:rPr>
-                        </m:ctrlPr>
-                      </m:accPr>
-                      <m:e>
-                        <m:r>
-                          <a:rPr lang="en-US" i="1">
-                            <a:latin typeface="Cambria Math" panose="02040503050406030204" pitchFamily="18" charset="0"/>
-                          </a:rPr>
-                          <m:t>𝑓</m:t>
-                        </m:r>
-                      </m:e>
-                    </m:acc>
-                    <m:r>
-                      <a:rPr lang="en-US" i="1">
-                        <a:latin typeface="Cambria Math" panose="02040503050406030204" pitchFamily="18" charset="0"/>
-                      </a:rPr>
-                      <m:t>(</m:t>
-                    </m:r>
-                    <m:r>
-                      <a:rPr lang="en-US" i="1">
-                        <a:latin typeface="Cambria Math" panose="02040503050406030204" pitchFamily="18" charset="0"/>
-                      </a:rPr>
-                      <m:t>𝑥</m:t>
-                    </m:r>
-                    <m:r>
-                      <a:rPr lang="en-US" i="1">
-                        <a:latin typeface="Cambria Math" panose="02040503050406030204" pitchFamily="18" charset="0"/>
-                      </a:rPr>
-                      <m:t>)=</m:t>
-                    </m:r>
-                    <m:r>
-                      <a:rPr lang="en-US" b="0" i="1" smtClean="0">
-                        <a:latin typeface="Cambria Math" panose="02040503050406030204" pitchFamily="18" charset="0"/>
-                      </a:rPr>
-                      <m:t>𝑙𝑜𝑔</m:t>
-                    </m:r>
-                    <m:r>
-                      <a:rPr lang="ru-RU" b="0" i="1" smtClean="0">
-                        <a:latin typeface="Cambria Math" panose="02040503050406030204" pitchFamily="18" charset="0"/>
-                      </a:rPr>
-                      <m:t>(</m:t>
-                    </m:r>
-                    <m:nary>
-                      <m:naryPr>
-                        <m:chr m:val="∑"/>
-                        <m:limLoc m:val="undOvr"/>
-                        <m:ctrlPr>
-                          <a:rPr lang="en-US" i="1">
-                            <a:latin typeface="Cambria Math" panose="02040503050406030204" pitchFamily="18" charset="0"/>
-                          </a:rPr>
-                        </m:ctrlPr>
-                      </m:naryPr>
-                      <m:sub>
-                        <m:r>
-                          <a:rPr lang="en-US" i="1">
-                            <a:latin typeface="Cambria Math" panose="02040503050406030204" pitchFamily="18" charset="0"/>
-                          </a:rPr>
-                          <m:t>𝑖</m:t>
-                        </m:r>
-                        <m:r>
-                          <a:rPr lang="en-US" i="1">
-                            <a:latin typeface="Cambria Math" panose="02040503050406030204" pitchFamily="18" charset="0"/>
-                          </a:rPr>
-                          <m:t>=</m:t>
-                        </m:r>
-                        <m:r>
-                          <a:rPr lang="en-US" i="1">
-                            <a:latin typeface="Cambria Math" panose="02040503050406030204" pitchFamily="18" charset="0"/>
-                          </a:rPr>
-                          <m:t>1</m:t>
-                        </m:r>
-                      </m:sub>
-                      <m:sup>
-                        <m:r>
-                          <a:rPr lang="en-US" i="1">
-                            <a:latin typeface="Cambria Math" panose="02040503050406030204" pitchFamily="18" charset="0"/>
-                          </a:rPr>
-                          <m:t>𝑀</m:t>
-                        </m:r>
-                      </m:sup>
-                      <m:e>
-                        <m:sSub>
-                          <m:sSubPr>
-                            <m:ctrlPr>
-                              <a:rPr lang="en-US" i="1">
-                                <a:latin typeface="Cambria Math" panose="02040503050406030204" pitchFamily="18" charset="0"/>
-                              </a:rPr>
-                            </m:ctrlPr>
-                          </m:sSubPr>
-                          <m:e>
-                            <m:r>
-                              <a:rPr lang="en-US" i="1">
-                                <a:latin typeface="Cambria Math" panose="02040503050406030204" pitchFamily="18" charset="0"/>
-                              </a:rPr>
-                              <m:t>𝛼</m:t>
-                            </m:r>
-                          </m:e>
-                          <m:sub>
-                            <m:r>
-                              <a:rPr lang="en-US" i="1">
-                                <a:latin typeface="Cambria Math" panose="02040503050406030204" pitchFamily="18" charset="0"/>
-                              </a:rPr>
-                              <m:t>𝑖</m:t>
-                            </m:r>
-                          </m:sub>
-                        </m:sSub>
-                      </m:e>
-                    </m:nary>
-                    <m:sSup>
-                      <m:sSupPr>
-                        <m:ctrlPr>
-                          <a:rPr lang="en-US" i="1">
-                            <a:latin typeface="Cambria Math" panose="02040503050406030204" pitchFamily="18" charset="0"/>
-                          </a:rPr>
-                        </m:ctrlPr>
-                      </m:sSupPr>
-                      <m:e>
-                        <m:r>
-                          <a:rPr lang="en-US" i="1">
-                            <a:latin typeface="Cambria Math" panose="02040503050406030204" pitchFamily="18" charset="0"/>
-                          </a:rPr>
-                          <m:t>𝑊</m:t>
-                        </m:r>
-                      </m:e>
-                      <m:sup>
-                        <m:r>
-                          <a:rPr lang="en-US" i="1">
-                            <a:latin typeface="Cambria Math" panose="02040503050406030204" pitchFamily="18" charset="0"/>
-                          </a:rPr>
-                          <m:t>𝑇</m:t>
-                        </m:r>
-                      </m:sup>
-                    </m:sSup>
-                    <m:r>
-                      <a:rPr lang="en-US" i="1">
-                        <a:latin typeface="Cambria Math" panose="02040503050406030204" pitchFamily="18" charset="0"/>
-                      </a:rPr>
-                      <m:t>𝑋</m:t>
-                    </m:r>
-                  </m:oMath>
-                </a14:m>
-                <a:r>
-                  <a:rPr lang="ru-RU" dirty="0" smtClean="0">
-                    <a:cs typeface="Times New Roman" panose="02020603050405020304" pitchFamily="18" charset="0"/>
-                  </a:rPr>
-                  <a:t>)</a:t>
-                </a:r>
-                <a:r>
-                  <a:rPr lang="ru-RU" dirty="0">
-                    <a:cs typeface="Times New Roman" panose="02020603050405020304" pitchFamily="18" charset="0"/>
-                  </a:rPr>
-                  <a:t>(</a:t>
-                </a:r>
-                <a:r>
-                  <a:rPr lang="ru-RU" dirty="0" smtClean="0">
-                    <a:cs typeface="Times New Roman" panose="02020603050405020304" pitchFamily="18" charset="0"/>
-                  </a:rPr>
-                  <a:t>х)</a:t>
-                </a:r>
-              </a:p>
-              <a:p>
-                <a:pPr marL="971550" lvl="1" indent="-514350">
-                  <a:buFont typeface="+mj-lt"/>
-                  <a:buAutoNum type="arabicPeriod"/>
-                </a:pPr>
-                <a14:m>
-                  <m:oMath xmlns:m="http://schemas.openxmlformats.org/officeDocument/2006/math">
-                    <m:acc>
-                      <m:accPr>
-                        <m:chr m:val="̂"/>
-                        <m:ctrlPr>
-                          <a:rPr lang="en-US" i="1">
-                            <a:latin typeface="Cambria Math" panose="02040503050406030204" pitchFamily="18" charset="0"/>
-                          </a:rPr>
-                        </m:ctrlPr>
-                      </m:accPr>
-                      <m:e>
-                        <m:r>
-                          <a:rPr lang="en-US" i="1">
-                            <a:latin typeface="Cambria Math" panose="02040503050406030204" pitchFamily="18" charset="0"/>
-                          </a:rPr>
-                          <m:t>𝑓</m:t>
-                        </m:r>
-                      </m:e>
-                    </m:acc>
-                    <m:r>
-                      <a:rPr lang="en-US" i="1">
-                        <a:latin typeface="Cambria Math" panose="02040503050406030204" pitchFamily="18" charset="0"/>
-                      </a:rPr>
-                      <m:t>(</m:t>
-                    </m:r>
-                    <m:r>
-                      <a:rPr lang="en-US" i="1">
-                        <a:latin typeface="Cambria Math" panose="02040503050406030204" pitchFamily="18" charset="0"/>
-                      </a:rPr>
-                      <m:t>𝑥</m:t>
-                    </m:r>
-                    <m:r>
-                      <a:rPr lang="en-US" i="1">
-                        <a:latin typeface="Cambria Math" panose="02040503050406030204" pitchFamily="18" charset="0"/>
-                      </a:rPr>
-                      <m:t>)=</m:t>
-                    </m:r>
-                    <m:nary>
-                      <m:naryPr>
-                        <m:chr m:val="∑"/>
-                        <m:limLoc m:val="undOvr"/>
-                        <m:ctrlPr>
-                          <a:rPr lang="en-US" i="1">
-                            <a:latin typeface="Cambria Math" panose="02040503050406030204" pitchFamily="18" charset="0"/>
-                          </a:rPr>
-                        </m:ctrlPr>
-                      </m:naryPr>
-                      <m:sub>
-                        <m:r>
-                          <a:rPr lang="en-US" i="1">
-                            <a:latin typeface="Cambria Math" panose="02040503050406030204" pitchFamily="18" charset="0"/>
-                          </a:rPr>
-                          <m:t>𝑖</m:t>
-                        </m:r>
-                        <m:r>
-                          <a:rPr lang="en-US" i="1">
-                            <a:latin typeface="Cambria Math" panose="02040503050406030204" pitchFamily="18" charset="0"/>
-                          </a:rPr>
-                          <m:t>=</m:t>
-                        </m:r>
-                        <m:r>
-                          <a:rPr lang="en-US" i="1">
-                            <a:latin typeface="Cambria Math" panose="02040503050406030204" pitchFamily="18" charset="0"/>
-                          </a:rPr>
-                          <m:t>1</m:t>
-                        </m:r>
-                      </m:sub>
-                      <m:sup>
-                        <m:r>
-                          <a:rPr lang="en-US" i="1">
-                            <a:latin typeface="Cambria Math" panose="02040503050406030204" pitchFamily="18" charset="0"/>
-                          </a:rPr>
-                          <m:t>𝑀</m:t>
-                        </m:r>
-                      </m:sup>
-                      <m:e>
-                        <m:sSub>
-                          <m:sSubPr>
-                            <m:ctrlPr>
-                              <a:rPr lang="en-US" i="1">
-                                <a:latin typeface="Cambria Math" panose="02040503050406030204" pitchFamily="18" charset="0"/>
-                              </a:rPr>
-                            </m:ctrlPr>
-                          </m:sSubPr>
-                          <m:e>
-                            <m:r>
-                              <m:rPr>
-                                <m:sty m:val="p"/>
-                              </m:rPr>
-                              <a:rPr lang="en-US" b="0" i="0" smtClean="0">
-                                <a:latin typeface="Cambria Math" panose="02040503050406030204" pitchFamily="18" charset="0"/>
-                              </a:rPr>
-                              <m:t>sin</m:t>
-                            </m:r>
-                            <m:r>
-                              <a:rPr lang="en-US" b="0" i="1" smtClean="0">
-                                <a:latin typeface="Cambria Math" panose="02040503050406030204" pitchFamily="18" charset="0"/>
-                              </a:rPr>
-                              <m:t>⁡(</m:t>
-                            </m:r>
-                            <m:r>
-                              <a:rPr lang="en-US" i="1">
-                                <a:latin typeface="Cambria Math" panose="02040503050406030204" pitchFamily="18" charset="0"/>
-                              </a:rPr>
-                              <m:t>𝛼</m:t>
-                            </m:r>
-                          </m:e>
-                          <m:sub>
-                            <m:r>
-                              <a:rPr lang="en-US" i="1">
-                                <a:latin typeface="Cambria Math" panose="02040503050406030204" pitchFamily="18" charset="0"/>
-                              </a:rPr>
-                              <m:t>𝑖</m:t>
-                            </m:r>
-                          </m:sub>
-                        </m:sSub>
-                        <m:r>
-                          <a:rPr lang="en-US" b="0" i="1" smtClean="0">
-                            <a:latin typeface="Cambria Math" panose="02040503050406030204" pitchFamily="18" charset="0"/>
-                          </a:rPr>
-                          <m:t>)</m:t>
-                        </m:r>
-                      </m:e>
-                    </m:nary>
-                    <m:sSup>
-                      <m:sSupPr>
-                        <m:ctrlPr>
-                          <a:rPr lang="en-US" i="1">
-                            <a:latin typeface="Cambria Math" panose="02040503050406030204" pitchFamily="18" charset="0"/>
-                          </a:rPr>
-                        </m:ctrlPr>
-                      </m:sSupPr>
-                      <m:e>
-                        <m:r>
-                          <a:rPr lang="en-US" i="1">
-                            <a:latin typeface="Cambria Math" panose="02040503050406030204" pitchFamily="18" charset="0"/>
-                          </a:rPr>
-                          <m:t>𝑊</m:t>
-                        </m:r>
-                      </m:e>
-                      <m:sup>
-                        <m:r>
-                          <a:rPr lang="en-US" i="1">
-                            <a:latin typeface="Cambria Math" panose="02040503050406030204" pitchFamily="18" charset="0"/>
-                          </a:rPr>
-                          <m:t>𝑇</m:t>
-                        </m:r>
-                      </m:sup>
-                    </m:sSup>
-                    <m:r>
-                      <a:rPr lang="en-US" i="1">
-                        <a:latin typeface="Cambria Math" panose="02040503050406030204" pitchFamily="18" charset="0"/>
-                      </a:rPr>
-                      <m:t>𝑋</m:t>
-                    </m:r>
-                  </m:oMath>
-                </a14:m>
-                <a:endParaRPr lang="en-US" dirty="0" smtClean="0">
-                  <a:cs typeface="Times New Roman" panose="02020603050405020304" pitchFamily="18" charset="0"/>
-                </a:endParaRPr>
-              </a:p>
-              <a:p>
-                <a:pPr marL="971550" lvl="1" indent="-514350">
-                  <a:buFont typeface="+mj-lt"/>
-                  <a:buAutoNum type="arabicPeriod"/>
-                </a:pPr>
-                <a14:m>
-                  <m:oMath xmlns:m="http://schemas.openxmlformats.org/officeDocument/2006/math">
-                    <m:acc>
-                      <m:accPr>
-                        <m:chr m:val="̂"/>
-                        <m:ctrlPr>
-                          <a:rPr lang="en-US" i="1">
-                            <a:latin typeface="Cambria Math" panose="02040503050406030204" pitchFamily="18" charset="0"/>
-                          </a:rPr>
-                        </m:ctrlPr>
-                      </m:accPr>
-                      <m:e>
-                        <m:r>
-                          <a:rPr lang="en-US" i="1">
-                            <a:latin typeface="Cambria Math" panose="02040503050406030204" pitchFamily="18" charset="0"/>
-                          </a:rPr>
-                          <m:t>𝑓</m:t>
-                        </m:r>
-                      </m:e>
-                    </m:acc>
-                    <m:r>
-                      <a:rPr lang="en-US" i="1">
-                        <a:latin typeface="Cambria Math" panose="02040503050406030204" pitchFamily="18" charset="0"/>
-                      </a:rPr>
-                      <m:t>(</m:t>
-                    </m:r>
-                    <m:r>
-                      <a:rPr lang="en-US" i="1">
-                        <a:latin typeface="Cambria Math" panose="02040503050406030204" pitchFamily="18" charset="0"/>
-                      </a:rPr>
-                      <m:t>𝑥</m:t>
-                    </m:r>
-                    <m:r>
-                      <a:rPr lang="en-US" i="1">
-                        <a:latin typeface="Cambria Math" panose="02040503050406030204" pitchFamily="18" charset="0"/>
-                      </a:rPr>
-                      <m:t>)=</m:t>
-                    </m:r>
-                    <m:nary>
-                      <m:naryPr>
-                        <m:chr m:val="∑"/>
-                        <m:limLoc m:val="undOvr"/>
-                        <m:ctrlPr>
-                          <a:rPr lang="en-US" i="1">
-                            <a:latin typeface="Cambria Math" panose="02040503050406030204" pitchFamily="18" charset="0"/>
-                          </a:rPr>
-                        </m:ctrlPr>
-                      </m:naryPr>
-                      <m:sub>
-                        <m:r>
-                          <a:rPr lang="en-US" i="1">
-                            <a:latin typeface="Cambria Math" panose="02040503050406030204" pitchFamily="18" charset="0"/>
-                          </a:rPr>
-                          <m:t>𝑖</m:t>
-                        </m:r>
-                        <m:r>
-                          <a:rPr lang="en-US" i="1">
-                            <a:latin typeface="Cambria Math" panose="02040503050406030204" pitchFamily="18" charset="0"/>
-                          </a:rPr>
-                          <m:t>=</m:t>
-                        </m:r>
-                        <m:r>
-                          <a:rPr lang="en-US" i="1">
-                            <a:latin typeface="Cambria Math" panose="02040503050406030204" pitchFamily="18" charset="0"/>
-                          </a:rPr>
-                          <m:t>1</m:t>
-                        </m:r>
-                      </m:sub>
-                      <m:sup>
-                        <m:r>
-                          <a:rPr lang="en-US" i="1">
-                            <a:latin typeface="Cambria Math" panose="02040503050406030204" pitchFamily="18" charset="0"/>
-                          </a:rPr>
-                          <m:t>𝑀</m:t>
-                        </m:r>
-                      </m:sup>
-                      <m:e>
-                        <m:sSubSup>
-                          <m:sSubSupPr>
-                            <m:ctrlPr>
-                              <a:rPr lang="en-US" b="0" i="1" smtClean="0">
-                                <a:latin typeface="Cambria Math" panose="02040503050406030204" pitchFamily="18" charset="0"/>
-                              </a:rPr>
-                            </m:ctrlPr>
-                          </m:sSubSupPr>
-                          <m:e>
-                            <m:r>
-                              <a:rPr lang="en-US" i="1">
-                                <a:latin typeface="Cambria Math" panose="02040503050406030204" pitchFamily="18" charset="0"/>
-                              </a:rPr>
-                              <m:t>𝛼</m:t>
-                            </m:r>
-                          </m:e>
-                          <m:sub>
-                            <m:r>
-                              <a:rPr lang="en-US" i="1">
-                                <a:latin typeface="Cambria Math" panose="02040503050406030204" pitchFamily="18" charset="0"/>
-                              </a:rPr>
-                              <m:t>𝑖</m:t>
-                            </m:r>
-                          </m:sub>
-                          <m:sup>
-                            <m:r>
-                              <a:rPr lang="en-US" b="0" i="1" smtClean="0">
-                                <a:latin typeface="Cambria Math" panose="02040503050406030204" pitchFamily="18" charset="0"/>
-                              </a:rPr>
-                              <m:t>2</m:t>
-                            </m:r>
-                          </m:sup>
-                        </m:sSubSup>
-                      </m:e>
-                    </m:nary>
-                    <m:sSup>
-                      <m:sSupPr>
-                        <m:ctrlPr>
-                          <a:rPr lang="en-US" i="1">
-                            <a:latin typeface="Cambria Math" panose="02040503050406030204" pitchFamily="18" charset="0"/>
-                          </a:rPr>
-                        </m:ctrlPr>
-                      </m:sSupPr>
-                      <m:e>
-                        <m:r>
-                          <a:rPr lang="en-US" i="1">
-                            <a:latin typeface="Cambria Math" panose="02040503050406030204" pitchFamily="18" charset="0"/>
-                          </a:rPr>
-                          <m:t>𝑊</m:t>
-                        </m:r>
-                      </m:e>
-                      <m:sup>
-                        <m:r>
-                          <a:rPr lang="en-US" i="1">
-                            <a:latin typeface="Cambria Math" panose="02040503050406030204" pitchFamily="18" charset="0"/>
-                          </a:rPr>
-                          <m:t>𝑇</m:t>
-                        </m:r>
-                      </m:sup>
-                    </m:sSup>
-                    <m:r>
-                      <a:rPr lang="en-US" i="1">
-                        <a:latin typeface="Cambria Math" panose="02040503050406030204" pitchFamily="18" charset="0"/>
-                      </a:rPr>
-                      <m:t>𝑋</m:t>
-                    </m:r>
-                  </m:oMath>
-                </a14:m>
-                <a:endParaRPr lang="en-US" dirty="0">
-                  <a:cs typeface="Times New Roman" panose="02020603050405020304" pitchFamily="18" charset="0"/>
-                </a:endParaRPr>
-              </a:p>
-              <a:p>
-                <a:pPr marL="971550" lvl="1" indent="-514350">
-                  <a:buFont typeface="+mj-lt"/>
-                  <a:buAutoNum type="arabicPeriod"/>
-                </a:pPr>
-                <a14:m>
-                  <m:oMath xmlns:m="http://schemas.openxmlformats.org/officeDocument/2006/math">
-                    <m:acc>
-                      <m:accPr>
-                        <m:chr m:val="̂"/>
-                        <m:ctrlPr>
-                          <a:rPr lang="en-US" i="1">
-                            <a:latin typeface="Cambria Math" panose="02040503050406030204" pitchFamily="18" charset="0"/>
-                          </a:rPr>
-                        </m:ctrlPr>
-                      </m:accPr>
-                      <m:e>
-                        <m:r>
-                          <a:rPr lang="en-US" i="1">
-                            <a:latin typeface="Cambria Math" panose="02040503050406030204" pitchFamily="18" charset="0"/>
-                          </a:rPr>
-                          <m:t>𝑓</m:t>
-                        </m:r>
-                      </m:e>
-                    </m:acc>
-                    <m:r>
-                      <a:rPr lang="en-US" i="1">
-                        <a:latin typeface="Cambria Math" panose="02040503050406030204" pitchFamily="18" charset="0"/>
-                      </a:rPr>
-                      <m:t>(</m:t>
-                    </m:r>
-                    <m:r>
-                      <a:rPr lang="en-US" i="1">
-                        <a:latin typeface="Cambria Math" panose="02040503050406030204" pitchFamily="18" charset="0"/>
-                      </a:rPr>
-                      <m:t>𝑥</m:t>
-                    </m:r>
-                    <m:r>
-                      <a:rPr lang="en-US" i="1">
-                        <a:latin typeface="Cambria Math" panose="02040503050406030204" pitchFamily="18" charset="0"/>
-                      </a:rPr>
-                      <m:t>)=</m:t>
-                    </m:r>
-                    <m:nary>
-                      <m:naryPr>
-                        <m:chr m:val="∑"/>
-                        <m:limLoc m:val="undOvr"/>
-                        <m:ctrlPr>
-                          <a:rPr lang="en-US" i="1">
-                            <a:latin typeface="Cambria Math" panose="02040503050406030204" pitchFamily="18" charset="0"/>
-                          </a:rPr>
-                        </m:ctrlPr>
-                      </m:naryPr>
-                      <m:sub>
-                        <m:r>
-                          <a:rPr lang="en-US" i="1">
-                            <a:latin typeface="Cambria Math" panose="02040503050406030204" pitchFamily="18" charset="0"/>
-                          </a:rPr>
-                          <m:t>𝑖</m:t>
-                        </m:r>
-                        <m:r>
-                          <a:rPr lang="en-US" i="1">
-                            <a:latin typeface="Cambria Math" panose="02040503050406030204" pitchFamily="18" charset="0"/>
-                          </a:rPr>
-                          <m:t>=</m:t>
-                        </m:r>
-                        <m:r>
-                          <a:rPr lang="en-US" i="1">
-                            <a:latin typeface="Cambria Math" panose="02040503050406030204" pitchFamily="18" charset="0"/>
-                          </a:rPr>
-                          <m:t>1</m:t>
-                        </m:r>
-                      </m:sub>
-                      <m:sup>
-                        <m:r>
-                          <a:rPr lang="en-US" i="1">
-                            <a:latin typeface="Cambria Math" panose="02040503050406030204" pitchFamily="18" charset="0"/>
-                          </a:rPr>
-                          <m:t>𝑀</m:t>
-                        </m:r>
-                      </m:sup>
-                      <m:e>
-                        <m:sSub>
-                          <m:sSubPr>
-                            <m:ctrlPr>
-                              <a:rPr lang="en-US" b="0" i="1">
-                                <a:latin typeface="Cambria Math" panose="02040503050406030204" pitchFamily="18" charset="0"/>
-                              </a:rPr>
-                            </m:ctrlPr>
-                          </m:sSubPr>
-                          <m:e>
-                            <m:r>
-                              <a:rPr lang="en-US" b="0" i="1" smtClean="0">
-                                <a:latin typeface="Cambria Math" panose="02040503050406030204" pitchFamily="18" charset="0"/>
-                              </a:rPr>
-                              <m:t>𝛽</m:t>
-                            </m:r>
-                          </m:e>
-                          <m:sub>
-                            <m:r>
-                              <a:rPr lang="en-US" i="1">
-                                <a:latin typeface="Cambria Math" panose="02040503050406030204" pitchFamily="18" charset="0"/>
-                              </a:rPr>
-                              <m:t>𝑖</m:t>
-                            </m:r>
-                          </m:sub>
-                        </m:sSub>
-                      </m:e>
-                    </m:nary>
-                    <m:nary>
-                      <m:naryPr>
-                        <m:chr m:val="∑"/>
-                        <m:limLoc m:val="undOvr"/>
-                        <m:ctrlPr>
-                          <a:rPr lang="en-US" i="1">
-                            <a:latin typeface="Cambria Math" panose="02040503050406030204" pitchFamily="18" charset="0"/>
-                          </a:rPr>
-                        </m:ctrlPr>
-                      </m:naryPr>
-                      <m:sub>
-                        <m:r>
-                          <a:rPr lang="en-US" i="1">
-                            <a:latin typeface="Cambria Math" panose="02040503050406030204" pitchFamily="18" charset="0"/>
-                          </a:rPr>
-                          <m:t>𝑖</m:t>
-                        </m:r>
-                        <m:r>
-                          <a:rPr lang="en-US" i="1">
-                            <a:latin typeface="Cambria Math" panose="02040503050406030204" pitchFamily="18" charset="0"/>
-                          </a:rPr>
-                          <m:t>=</m:t>
-                        </m:r>
-                        <m:r>
-                          <a:rPr lang="en-US" i="1">
-                            <a:latin typeface="Cambria Math" panose="02040503050406030204" pitchFamily="18" charset="0"/>
-                          </a:rPr>
-                          <m:t>1</m:t>
-                        </m:r>
-                      </m:sub>
-                      <m:sup>
-                        <m:r>
-                          <a:rPr lang="en-US" i="1">
-                            <a:latin typeface="Cambria Math" panose="02040503050406030204" pitchFamily="18" charset="0"/>
-                          </a:rPr>
-                          <m:t>𝑀</m:t>
-                        </m:r>
-                      </m:sup>
-                      <m:e>
-                        <m:sSup>
-                          <m:sSupPr>
-                            <m:ctrlPr>
-                              <a:rPr lang="en-US" i="1">
-                                <a:latin typeface="Cambria Math" panose="02040503050406030204" pitchFamily="18" charset="0"/>
-                              </a:rPr>
-                            </m:ctrlPr>
-                          </m:sSupPr>
-                          <m:e>
-                            <m:r>
-                              <a:rPr lang="en-US" i="1">
-                                <a:latin typeface="Cambria Math" panose="02040503050406030204" pitchFamily="18" charset="0"/>
-                              </a:rPr>
-                              <m:t>𝑊</m:t>
-                            </m:r>
-                          </m:e>
-                          <m:sup>
-                            <m:r>
-                              <a:rPr lang="en-US" i="1">
-                                <a:latin typeface="Cambria Math" panose="02040503050406030204" pitchFamily="18" charset="0"/>
-                              </a:rPr>
-                              <m:t>𝑇</m:t>
-                            </m:r>
-                          </m:sup>
-                        </m:sSup>
-                        <m:r>
-                          <a:rPr lang="en-US" i="1">
-                            <a:latin typeface="Cambria Math" panose="02040503050406030204" pitchFamily="18" charset="0"/>
-                          </a:rPr>
-                          <m:t>𝑋</m:t>
-                        </m:r>
-                        <m:r>
-                          <m:rPr>
-                            <m:nor/>
-                          </m:rPr>
-                          <a:rPr lang="en-US" dirty="0">
-                            <a:cs typeface="Times New Roman" panose="02020603050405020304" pitchFamily="18" charset="0"/>
-                          </a:rPr>
-                          <m:t> </m:t>
-                        </m:r>
-                      </m:e>
-                    </m:nary>
-                  </m:oMath>
-                </a14:m>
-                <a:endParaRPr lang="en-US" sz="2300" b="1" dirty="0" smtClean="0">
-                  <a:ea typeface="Calibri" panose="020F0502020204030204" pitchFamily="34" charset="0"/>
-                  <a:cs typeface="Times New Roman" panose="02020603050405020304" pitchFamily="18" charset="0"/>
-                </a:endParaRPr>
-              </a:p>
-              <a:p>
-                <a:pPr marL="228600" lvl="1"/>
-                <a:r>
-                  <a:rPr lang="ru-RU" sz="2300" b="1" dirty="0">
-                    <a:ea typeface="Calibri" panose="020F0502020204030204" pitchFamily="34" charset="0"/>
-                    <a:cs typeface="Times New Roman" panose="02020603050405020304" pitchFamily="18" charset="0"/>
-                  </a:rPr>
-                  <a:t>Выберите </a:t>
-                </a:r>
-                <a:r>
-                  <a:rPr lang="ru-RU" sz="2300" b="1" dirty="0" smtClean="0">
-                    <a:ea typeface="Calibri" panose="020F0502020204030204" pitchFamily="34" charset="0"/>
-                    <a:cs typeface="Times New Roman" panose="02020603050405020304" pitchFamily="18" charset="0"/>
-                  </a:rPr>
-                  <a:t>правильные утверждения относительно моделей нелинейной регрессии</a:t>
-                </a:r>
-              </a:p>
-              <a:p>
-                <a:pPr lvl="1"/>
-                <a:r>
-                  <a:rPr lang="ru-RU" sz="1800" dirty="0" smtClean="0"/>
-                  <a:t>может </a:t>
-                </a:r>
-                <a:r>
-                  <a:rPr lang="ru-RU" sz="1800" dirty="0"/>
-                  <a:t>учесть несколько линейных и нелинейных признаков ряда в качестве компонент</a:t>
-                </a:r>
-                <a:r>
-                  <a:rPr lang="ru-RU" sz="1800" dirty="0" smtClean="0"/>
-                  <a:t>.(х)</a:t>
-                </a:r>
-                <a:endParaRPr lang="ru-RU" sz="1800" dirty="0"/>
-              </a:p>
-              <a:p>
-                <a:pPr lvl="1"/>
-                <a:r>
-                  <a:rPr lang="ru-RU" sz="1800" dirty="0"/>
-                  <a:t>Возможность </a:t>
-                </a:r>
-                <a:r>
-                  <a:rPr lang="ru-RU" sz="1800" dirty="0" smtClean="0"/>
-                  <a:t>моделировать сложные и нестационарные сезонности.</a:t>
-                </a:r>
-                <a:r>
-                  <a:rPr lang="ru-RU" sz="1800" dirty="0"/>
-                  <a:t> (х</a:t>
-                </a:r>
-                <a:r>
-                  <a:rPr lang="ru-RU" sz="1800" dirty="0" smtClean="0"/>
-                  <a:t>)</a:t>
-                </a:r>
-              </a:p>
-              <a:p>
-                <a:pPr lvl="1"/>
-                <a:r>
-                  <a:rPr lang="ru-RU" sz="1800" dirty="0" smtClean="0">
-                    <a:ea typeface="Calibri" panose="020F0502020204030204" pitchFamily="34" charset="0"/>
-                    <a:cs typeface="Times New Roman" panose="02020603050405020304" pitchFamily="18" charset="0"/>
-                  </a:rPr>
-                  <a:t>Не позволяет ввести регуляризацию</a:t>
-                </a:r>
-              </a:p>
-              <a:p>
-                <a:pPr lvl="1"/>
-                <a:r>
-                  <a:rPr lang="ru-RU" sz="1800" dirty="0">
-                    <a:ea typeface="Calibri" panose="020F0502020204030204" pitchFamily="34" charset="0"/>
-                    <a:cs typeface="Times New Roman" panose="02020603050405020304" pitchFamily="18" charset="0"/>
-                  </a:rPr>
-                  <a:t>Требует разложения </a:t>
-                </a:r>
-                <a:r>
-                  <a:rPr lang="ru-RU" sz="1800" dirty="0" smtClean="0">
-                    <a:ea typeface="Calibri" panose="020F0502020204030204" pitchFamily="34" charset="0"/>
-                    <a:cs typeface="Times New Roman" panose="02020603050405020304" pitchFamily="18" charset="0"/>
-                  </a:rPr>
-                  <a:t>ВР на компоненты</a:t>
-                </a:r>
-              </a:p>
-              <a:p>
-                <a:pPr lvl="1"/>
-                <a:r>
-                  <a:rPr lang="ru-RU" sz="1800" dirty="0" smtClean="0">
-                    <a:ea typeface="Calibri" panose="020F0502020204030204" pitchFamily="34" charset="0"/>
-                    <a:cs typeface="Times New Roman" panose="02020603050405020304" pitchFamily="18" charset="0"/>
-                  </a:rPr>
-                  <a:t>Не работает в случае ВР с </a:t>
-                </a:r>
-                <a:r>
-                  <a:rPr lang="ru-RU" sz="1800" dirty="0" err="1" smtClean="0">
-                    <a:ea typeface="Calibri" panose="020F0502020204030204" pitchFamily="34" charset="0"/>
-                    <a:cs typeface="Times New Roman" panose="02020603050405020304" pitchFamily="18" charset="0"/>
-                  </a:rPr>
-                  <a:t>выбрасами</a:t>
-                </a:r>
-                <a:endParaRPr lang="ru-RU" sz="2300" b="1" dirty="0">
-                  <a:ea typeface="Calibri" panose="020F0502020204030204" pitchFamily="34" charset="0"/>
-                  <a:cs typeface="Times New Roman" panose="02020603050405020304" pitchFamily="18" charset="0"/>
-                </a:endParaRPr>
-              </a:p>
-              <a:p>
-                <a:pPr marL="228600" lvl="1"/>
-                <a:r>
-                  <a:rPr lang="ru-RU" sz="2300" b="1" dirty="0" smtClean="0">
-                    <a:ea typeface="Calibri" panose="020F0502020204030204" pitchFamily="34" charset="0"/>
-                    <a:cs typeface="Times New Roman" panose="02020603050405020304" pitchFamily="18" charset="0"/>
-                  </a:rPr>
-                  <a:t>Выберите примеры когда обучение обеспечило наибольшую обобщающе способность</a:t>
-                </a:r>
-                <a:endParaRPr lang="ru-RU" sz="2300" b="1" dirty="0">
-                  <a:ea typeface="Calibri" panose="020F0502020204030204" pitchFamily="34" charset="0"/>
-                  <a:cs typeface="Times New Roman" panose="02020603050405020304" pitchFamily="18" charset="0"/>
-                </a:endParaRPr>
-              </a:p>
-              <a:p>
-                <a:pPr marL="914400" lvl="1" indent="-457200">
-                  <a:buFont typeface="+mj-lt"/>
-                  <a:buAutoNum type="arabicPeriod"/>
-                </a:pPr>
-                <a:endParaRPr lang="ru-RU" sz="2000" dirty="0" smtClean="0">
-                  <a:cs typeface="Times New Roman" panose="02020603050405020304" pitchFamily="18" charset="0"/>
-                </a:endParaRPr>
-              </a:p>
-              <a:p>
-                <a:pPr marL="914400" lvl="1" indent="-457200">
-                  <a:buFont typeface="+mj-lt"/>
-                  <a:buAutoNum type="arabicPeriod"/>
-                </a:pPr>
-                <a:endParaRPr lang="ru-RU" sz="2000" dirty="0">
-                  <a:cs typeface="Times New Roman" panose="02020603050405020304" pitchFamily="18" charset="0"/>
-                </a:endParaRPr>
-              </a:p>
-            </p:txBody>
-          </p:sp>
-        </mc:Choice>
-        <mc:Fallback xmlns="">
-          <p:sp>
-            <p:nvSpPr>
-              <p:cNvPr id="3" name="Объект 2">
-                <a:extLst>
-                  <a:ext uri="{FF2B5EF4-FFF2-40B4-BE49-F238E27FC236}">
-                    <a16:creationId xmlns:a16="http://schemas.microsoft.com/office/drawing/2014/main" id="{BE421393-E6D9-4C04-F323-217F01E33B93}"/>
-                  </a:ext>
-                </a:extLst>
-              </p:cNvPr>
-              <p:cNvSpPr>
-                <a:spLocks noGrp="1" noRot="1" noChangeAspect="1" noMove="1" noResize="1" noEditPoints="1" noAdjustHandles="1" noChangeArrowheads="1" noChangeShapeType="1" noTextEdit="1"/>
-              </p:cNvSpPr>
-              <p:nvPr>
-                <p:ph idx="1"/>
-              </p:nvPr>
-            </p:nvSpPr>
-            <p:spPr>
-              <a:xfrm>
-                <a:off x="398929" y="1075308"/>
-                <a:ext cx="10515600" cy="3823898"/>
-              </a:xfrm>
-              <a:blipFill>
-                <a:blip r:embed="rId2"/>
-                <a:stretch>
-                  <a:fillRect l="-522" t="-5892" b="-2707"/>
-                </a:stretch>
-              </a:blipFill>
-            </p:spPr>
-            <p:txBody>
-              <a:bodyPr/>
-              <a:lstStyle/>
-              <a:p>
-                <a:r>
-                  <a:rPr lang="ru-RU">
-                    <a:noFill/>
-                  </a:rPr>
-                  <a:t> </a:t>
-                </a:r>
-              </a:p>
-            </p:txBody>
-          </p:sp>
-        </mc:Fallback>
-      </mc:AlternateContent>
-      <p:pic>
-        <p:nvPicPr>
-          <p:cNvPr id="1026" name="Picture 2" descr="Improve your Regression with Regularization - Improve the Performance of a  Machine Learning Model - OpenClassrooms"/>
-          <p:cNvPicPr>
-            <a:picLocks noChangeAspect="1" noChangeArrowheads="1"/>
-          </p:cNvPicPr>
-          <p:nvPr/>
-        </p:nvPicPr>
-        <p:blipFill rotWithShape="1">
-          <a:blip r:embed="rId3">
-            <a:extLst>
-              <a:ext uri="{28A0092B-C50C-407E-A947-70E740481C1C}">
-                <a14:useLocalDpi xmlns:a14="http://schemas.microsoft.com/office/drawing/2010/main" val="0"/>
-              </a:ext>
-            </a:extLst>
-          </a:blip>
-          <a:srcRect t="23350" r="72644" b="4090"/>
-          <a:stretch/>
-        </p:blipFill>
-        <p:spPr bwMode="auto">
-          <a:xfrm>
-            <a:off x="5084483" y="5028651"/>
-            <a:ext cx="1654174" cy="1829349"/>
-          </a:xfrm>
-          <a:prstGeom prst="rect">
-            <a:avLst/>
-          </a:prstGeom>
-          <a:noFill/>
-          <a:extLst>
-            <a:ext uri="{909E8E84-426E-40DD-AFC4-6F175D3DCCD1}">
-              <a14:hiddenFill xmlns:a14="http://schemas.microsoft.com/office/drawing/2010/main">
-                <a:solidFill>
-                  <a:srgbClr val="FFFFFF"/>
-                </a:solidFill>
-              </a14:hiddenFill>
-            </a:ext>
-          </a:extLst>
-        </p:spPr>
-      </p:pic>
-      <p:pic>
-        <p:nvPicPr>
-          <p:cNvPr id="5" name="Picture 2" descr="Improve your Regression with Regularization - Improve the Performance of a  Machine Learning Model - OpenClassrooms"/>
-          <p:cNvPicPr>
-            <a:picLocks noChangeAspect="1" noChangeArrowheads="1"/>
-          </p:cNvPicPr>
-          <p:nvPr/>
-        </p:nvPicPr>
-        <p:blipFill rotWithShape="1">
-          <a:blip r:embed="rId3">
-            <a:extLst>
-              <a:ext uri="{28A0092B-C50C-407E-A947-70E740481C1C}">
-                <a14:useLocalDpi xmlns:a14="http://schemas.microsoft.com/office/drawing/2010/main" val="0"/>
-              </a:ext>
-            </a:extLst>
-          </a:blip>
-          <a:srcRect l="34726" t="22294" r="31500" b="5146"/>
-          <a:stretch/>
-        </p:blipFill>
-        <p:spPr bwMode="auto">
-          <a:xfrm>
-            <a:off x="490258" y="5303413"/>
-            <a:ext cx="1428750" cy="1279826"/>
-          </a:xfrm>
-          <a:prstGeom prst="rect">
-            <a:avLst/>
-          </a:prstGeom>
-          <a:noFill/>
-          <a:extLst>
-            <a:ext uri="{909E8E84-426E-40DD-AFC4-6F175D3DCCD1}">
-              <a14:hiddenFill xmlns:a14="http://schemas.microsoft.com/office/drawing/2010/main">
-                <a:solidFill>
-                  <a:srgbClr val="FFFFFF"/>
-                </a:solidFill>
-              </a14:hiddenFill>
-            </a:ext>
-          </a:extLst>
-        </p:spPr>
-      </p:pic>
-      <p:pic>
-        <p:nvPicPr>
-          <p:cNvPr id="6" name="Picture 2" descr="Improve your Regression with Regularization - Improve the Performance of a  Machine Learning Model - OpenClassrooms"/>
-          <p:cNvPicPr>
-            <a:picLocks noChangeAspect="1" noChangeArrowheads="1"/>
-          </p:cNvPicPr>
-          <p:nvPr/>
-        </p:nvPicPr>
-        <p:blipFill rotWithShape="1">
-          <a:blip r:embed="rId3">
-            <a:extLst>
-              <a:ext uri="{28A0092B-C50C-407E-A947-70E740481C1C}">
-                <a14:useLocalDpi xmlns:a14="http://schemas.microsoft.com/office/drawing/2010/main" val="0"/>
-              </a:ext>
-            </a:extLst>
-          </a:blip>
-          <a:srcRect l="77338" t="30474" r="-4694" b="12797"/>
-          <a:stretch/>
-        </p:blipFill>
-        <p:spPr bwMode="auto">
-          <a:xfrm>
-            <a:off x="7103783" y="5028651"/>
-            <a:ext cx="1863724" cy="1611397"/>
-          </a:xfrm>
-          <a:prstGeom prst="rect">
-            <a:avLst/>
-          </a:prstGeom>
-          <a:noFill/>
-          <a:extLst>
-            <a:ext uri="{909E8E84-426E-40DD-AFC4-6F175D3DCCD1}">
-              <a14:hiddenFill xmlns:a14="http://schemas.microsoft.com/office/drawing/2010/main">
-                <a:solidFill>
-                  <a:srgbClr val="FFFFFF"/>
-                </a:solidFill>
-              </a14:hiddenFill>
-            </a:ext>
-          </a:extLst>
-        </p:spPr>
-      </p:pic>
-      <p:pic>
-        <p:nvPicPr>
-          <p:cNvPr id="8" name="Рисунок 7"/>
-          <p:cNvPicPr>
-            <a:picLocks noChangeAspect="1"/>
-          </p:cNvPicPr>
-          <p:nvPr/>
-        </p:nvPicPr>
-        <p:blipFill rotWithShape="1">
-          <a:blip r:embed="rId4"/>
-          <a:srcRect l="3592" t="10837"/>
-          <a:stretch/>
-        </p:blipFill>
-        <p:spPr>
-          <a:xfrm>
-            <a:off x="2389452" y="5383089"/>
-            <a:ext cx="2224587" cy="1200150"/>
-          </a:xfrm>
-          <a:prstGeom prst="rect">
-            <a:avLst/>
-          </a:prstGeom>
-        </p:spPr>
-      </p:pic>
-      <p:sp>
-        <p:nvSpPr>
-          <p:cNvPr id="9" name="TextBox 8"/>
-          <p:cNvSpPr txBox="1"/>
-          <p:nvPr/>
-        </p:nvSpPr>
-        <p:spPr>
-          <a:xfrm>
-            <a:off x="933565" y="6084462"/>
-            <a:ext cx="542136" cy="369332"/>
-          </a:xfrm>
-          <a:prstGeom prst="rect">
-            <a:avLst/>
-          </a:prstGeom>
-          <a:noFill/>
-        </p:spPr>
-        <p:txBody>
-          <a:bodyPr wrap="square" rtlCol="0">
-            <a:spAutoFit/>
-          </a:bodyPr>
-          <a:lstStyle/>
-          <a:p>
-            <a:r>
-              <a:rPr lang="en-US" dirty="0" smtClean="0"/>
-              <a:t>1(x)</a:t>
-            </a:r>
-            <a:endParaRPr lang="ru-RU" dirty="0"/>
-          </a:p>
-        </p:txBody>
-      </p:sp>
-      <p:sp>
-        <p:nvSpPr>
-          <p:cNvPr id="12" name="TextBox 11"/>
-          <p:cNvSpPr txBox="1"/>
-          <p:nvPr/>
-        </p:nvSpPr>
-        <p:spPr>
-          <a:xfrm>
-            <a:off x="3579928" y="6014067"/>
-            <a:ext cx="542136" cy="369332"/>
-          </a:xfrm>
-          <a:prstGeom prst="rect">
-            <a:avLst/>
-          </a:prstGeom>
-          <a:noFill/>
-        </p:spPr>
-        <p:txBody>
-          <a:bodyPr wrap="square" rtlCol="0">
-            <a:spAutoFit/>
-          </a:bodyPr>
-          <a:lstStyle/>
-          <a:p>
-            <a:r>
-              <a:rPr lang="en-US" dirty="0" smtClean="0"/>
-              <a:t>2(x)</a:t>
-            </a:r>
-            <a:endParaRPr lang="ru-RU" dirty="0"/>
-          </a:p>
-        </p:txBody>
-      </p:sp>
-      <p:sp>
-        <p:nvSpPr>
-          <p:cNvPr id="13" name="TextBox 12"/>
-          <p:cNvSpPr txBox="1"/>
-          <p:nvPr/>
-        </p:nvSpPr>
-        <p:spPr>
-          <a:xfrm>
-            <a:off x="5807692" y="5997160"/>
-            <a:ext cx="542136" cy="369332"/>
-          </a:xfrm>
-          <a:prstGeom prst="rect">
-            <a:avLst/>
-          </a:prstGeom>
-          <a:noFill/>
-        </p:spPr>
-        <p:txBody>
-          <a:bodyPr wrap="square" rtlCol="0">
-            <a:spAutoFit/>
-          </a:bodyPr>
-          <a:lstStyle/>
-          <a:p>
-            <a:r>
-              <a:rPr lang="en-US" dirty="0" smtClean="0"/>
-              <a:t>3</a:t>
-            </a:r>
-            <a:endParaRPr lang="ru-RU" dirty="0"/>
-          </a:p>
-        </p:txBody>
-      </p:sp>
-      <p:sp>
-        <p:nvSpPr>
-          <p:cNvPr id="14" name="TextBox 13"/>
-          <p:cNvSpPr txBox="1"/>
-          <p:nvPr/>
-        </p:nvSpPr>
-        <p:spPr>
-          <a:xfrm>
-            <a:off x="8169892" y="5983164"/>
-            <a:ext cx="542136" cy="369332"/>
-          </a:xfrm>
-          <a:prstGeom prst="rect">
-            <a:avLst/>
-          </a:prstGeom>
-          <a:noFill/>
-        </p:spPr>
-        <p:txBody>
-          <a:bodyPr wrap="square" rtlCol="0">
-            <a:spAutoFit/>
-          </a:bodyPr>
-          <a:lstStyle/>
-          <a:p>
-            <a:r>
-              <a:rPr lang="en-US" dirty="0" smtClean="0"/>
-              <a:t>4</a:t>
-            </a:r>
-            <a:endParaRPr lang="ru-RU" dirty="0"/>
-          </a:p>
-        </p:txBody>
-      </p:sp>
-      <p:pic>
-        <p:nvPicPr>
-          <p:cNvPr id="1034" name="Picture 10" descr="Overfitting"/>
-          <p:cNvPicPr>
-            <a:picLocks noChangeAspect="1" noChangeArrowheads="1"/>
-          </p:cNvPicPr>
-          <p:nvPr/>
-        </p:nvPicPr>
-        <p:blipFill rotWithShape="1">
-          <a:blip r:embed="rId5">
-            <a:extLst>
-              <a:ext uri="{28A0092B-C50C-407E-A947-70E740481C1C}">
-                <a14:useLocalDpi xmlns:a14="http://schemas.microsoft.com/office/drawing/2010/main" val="0"/>
-              </a:ext>
-            </a:extLst>
-          </a:blip>
-          <a:srcRect l="54060" t="8261"/>
-          <a:stretch/>
-        </p:blipFill>
-        <p:spPr bwMode="auto">
-          <a:xfrm>
-            <a:off x="9332633" y="5000428"/>
-            <a:ext cx="1690110" cy="1492800"/>
-          </a:xfrm>
-          <a:prstGeom prst="rect">
-            <a:avLst/>
-          </a:prstGeom>
-          <a:noFill/>
-          <a:extLst>
-            <a:ext uri="{909E8E84-426E-40DD-AFC4-6F175D3DCCD1}">
-              <a14:hiddenFill xmlns:a14="http://schemas.microsoft.com/office/drawing/2010/main">
-                <a:solidFill>
-                  <a:srgbClr val="FFFFFF"/>
-                </a:solidFill>
-              </a14:hiddenFill>
-            </a:ext>
-          </a:extLst>
-        </p:spPr>
-      </p:pic>
-      <p:sp>
-        <p:nvSpPr>
-          <p:cNvPr id="16" name="TextBox 15"/>
-          <p:cNvSpPr txBox="1"/>
-          <p:nvPr/>
-        </p:nvSpPr>
-        <p:spPr>
-          <a:xfrm>
-            <a:off x="10480607" y="5977116"/>
-            <a:ext cx="542136" cy="369332"/>
-          </a:xfrm>
-          <a:prstGeom prst="rect">
-            <a:avLst/>
-          </a:prstGeom>
-          <a:noFill/>
-        </p:spPr>
-        <p:txBody>
-          <a:bodyPr wrap="square" rtlCol="0">
-            <a:spAutoFit/>
-          </a:bodyPr>
-          <a:lstStyle/>
-          <a:p>
-            <a:r>
-              <a:rPr lang="en-US" dirty="0" smtClean="0"/>
-              <a:t>5</a:t>
-            </a:r>
-            <a:endParaRPr lang="ru-RU" dirty="0"/>
-          </a:p>
-        </p:txBody>
-      </p:sp>
-    </p:spTree>
-    <p:extLst>
-      <p:ext uri="{BB962C8B-B14F-4D97-AF65-F5344CB8AC3E}">
-        <p14:creationId xmlns:p14="http://schemas.microsoft.com/office/powerpoint/2010/main" val="1154917723"/>
-      </p:ext>
-    </p:extLst>
-  </p:cSld>
-  <p:clrMapOvr>
-    <a:masterClrMapping/>
-  </p:clrMapOvr>
-  <p:timing>
-    <p:tnLst>
-      <p:par>
-        <p:cTn id="1" dur="indefinite" restart="never" nodeType="tmRoot"/>
-      </p:par>
-    </p:tnLst>
-  </p:timing>
-</p:sld>
-</file>
-
 <file path=ppt/slides/slide3.xml><?xml version="1.0" encoding="utf-8"?>
 <p:sld xmlns:a="http://schemas.openxmlformats.org/drawingml/2006/main" xmlns:r="http://schemas.openxmlformats.org/officeDocument/2006/relationships" xmlns:p="http://schemas.openxmlformats.org/presentationml/2006/main">
   <p:cSld>
@@ -16347,13 +13461,7 @@
                             <a:rPr lang="en-US" i="1">
                               <a:latin typeface="Cambria Math" panose="02040503050406030204" pitchFamily="18" charset="0"/>
                             </a:rPr>
-                            <m:t>=</m:t>
-                          </m:r>
-                          <m:r>
-                            <a:rPr lang="en-US" i="1">
-                              <a:latin typeface="Cambria Math" panose="02040503050406030204" pitchFamily="18" charset="0"/>
-                            </a:rPr>
-                            <m:t>0</m:t>
+                            <m:t>=0</m:t>
                           </m:r>
                         </m:sub>
                         <m:sup>
@@ -16997,13 +14105,7 @@
                             <a:rPr lang="en-US" i="1">
                               <a:latin typeface="Cambria Math" panose="02040503050406030204" pitchFamily="18" charset="0"/>
                             </a:rPr>
-                            <m:t>=</m:t>
-                          </m:r>
-                          <m:r>
-                            <a:rPr lang="en-US" i="1">
-                              <a:latin typeface="Cambria Math" panose="02040503050406030204" pitchFamily="18" charset="0"/>
-                            </a:rPr>
-                            <m:t>0</m:t>
+                            <m:t>=0</m:t>
                           </m:r>
                         </m:sub>
                         <m:sup>
@@ -17207,13 +14309,7 @@
                             <a:rPr lang="en-US" i="1">
                               <a:latin typeface="Cambria Math" panose="02040503050406030204" pitchFamily="18" charset="0"/>
                             </a:rPr>
-                            <m:t>=</m:t>
-                          </m:r>
-                          <m:r>
-                            <a:rPr lang="en-US" i="1">
-                              <a:latin typeface="Cambria Math" panose="02040503050406030204" pitchFamily="18" charset="0"/>
-                            </a:rPr>
-                            <m:t>0</m:t>
+                            <m:t>=0</m:t>
                           </m:r>
                         </m:sub>
                         <m:sup>
@@ -17594,19 +14690,7 @@
                       <a:rPr lang="en-US" i="1">
                         <a:latin typeface="Cambria Math" panose="02040503050406030204" pitchFamily="18" charset="0"/>
                       </a:rPr>
-                      <m:t>)=(</m:t>
-                    </m:r>
-                    <m:r>
-                      <a:rPr lang="en-US" i="1">
-                        <a:latin typeface="Cambria Math" panose="02040503050406030204" pitchFamily="18" charset="0"/>
-                      </a:rPr>
-                      <m:t>1</m:t>
-                    </m:r>
-                    <m:r>
-                      <a:rPr lang="en-US" i="1">
-                        <a:latin typeface="Cambria Math" panose="02040503050406030204" pitchFamily="18" charset="0"/>
-                      </a:rPr>
-                      <m:t>,</m:t>
+                      <m:t>)=(1,</m:t>
                     </m:r>
                     <m:sSub>
                       <m:sSubPr>
@@ -17849,13 +14933,7 @@
                             <a:rPr lang="en-US" i="1">
                               <a:latin typeface="Cambria Math" panose="02040503050406030204" pitchFamily="18" charset="0"/>
                             </a:rPr>
-                            <m:t>0</m:t>
-                          </m:r>
-                          <m:r>
-                            <a:rPr lang="en-US" i="1">
-                              <a:latin typeface="Cambria Math" panose="02040503050406030204" pitchFamily="18" charset="0"/>
-                            </a:rPr>
-                            <m:t>,</m:t>
+                            <m:t>0,</m:t>
                           </m:r>
                           <m:r>
                             <a:rPr lang="en-US" i="1">
@@ -17898,19 +14976,7 @@
                         <a:rPr lang="en-US" i="1">
                           <a:latin typeface="Cambria Math" panose="02040503050406030204" pitchFamily="18" charset="0"/>
                         </a:rPr>
-                        <m:t>=</m:t>
-                      </m:r>
-                      <m:r>
-                        <a:rPr lang="en-US" i="1">
-                          <a:latin typeface="Cambria Math" panose="02040503050406030204" pitchFamily="18" charset="0"/>
-                        </a:rPr>
-                        <m:t>0</m:t>
-                      </m:r>
-                      <m:r>
-                        <a:rPr lang="en-US" i="1">
-                          <a:latin typeface="Cambria Math" panose="02040503050406030204" pitchFamily="18" charset="0"/>
-                        </a:rPr>
-                        <m:t>,</m:t>
+                        <m:t>=0,</m:t>
                       </m:r>
                       <m:r>
                         <a:rPr lang="en-US" i="1">
@@ -17970,19 +15036,7 @@
                         <a:rPr lang="en-US" i="1">
                           <a:latin typeface="Cambria Math" panose="02040503050406030204" pitchFamily="18" charset="0"/>
                         </a:rPr>
-                        <m:t>&lt;</m:t>
-                      </m:r>
-                      <m:r>
-                        <a:rPr lang="en-US" i="1">
-                          <a:latin typeface="Cambria Math" panose="02040503050406030204" pitchFamily="18" charset="0"/>
-                        </a:rPr>
-                        <m:t>∞</m:t>
-                      </m:r>
-                      <m:r>
-                        <a:rPr lang="en-US" i="1">
-                          <a:latin typeface="Cambria Math" panose="02040503050406030204" pitchFamily="18" charset="0"/>
-                        </a:rPr>
-                        <m:t>,</m:t>
+                        <m:t>&lt;∞,</m:t>
                       </m:r>
                     </m:oMath>
                   </m:oMathPara>
@@ -18074,19 +15128,7 @@
                         <a:rPr lang="en-US" i="1">
                           <a:latin typeface="Cambria Math" panose="02040503050406030204" pitchFamily="18" charset="0"/>
                         </a:rPr>
-                        <m:t>=</m:t>
-                      </m:r>
-                      <m:r>
-                        <a:rPr lang="en-US" i="1">
-                          <a:latin typeface="Cambria Math" panose="02040503050406030204" pitchFamily="18" charset="0"/>
-                        </a:rPr>
-                        <m:t>0</m:t>
-                      </m:r>
-                      <m:r>
-                        <a:rPr lang="en-US" i="1">
-                          <a:latin typeface="Cambria Math" panose="02040503050406030204" pitchFamily="18" charset="0"/>
-                        </a:rPr>
-                        <m:t> </m:t>
+                        <m:t>=0 </m:t>
                       </m:r>
                       <m:r>
                         <m:rPr>
@@ -20206,13 +17248,7 @@
                                 <a:rPr lang="en-US" b="0" i="1" smtClean="0">
                                   <a:latin typeface="Cambria Math" panose="02040503050406030204" pitchFamily="18" charset="0"/>
                                 </a:rPr>
-                                <m:t>=</m:t>
-                              </m:r>
-                              <m:r>
-                                <a:rPr lang="en-US" b="0" i="1" smtClean="0">
-                                  <a:latin typeface="Cambria Math" panose="02040503050406030204" pitchFamily="18" charset="0"/>
-                                </a:rPr>
-                                <m:t>5</m:t>
+                                <m:t>=5</m:t>
                               </m:r>
                               <m:r>
                                 <a:rPr lang="en-US" b="0" i="1" smtClean="0">
@@ -20224,13 +17260,7 @@
                                 <a:rPr lang="en-US" b="0" i="1" smtClean="0">
                                   <a:latin typeface="Cambria Math" panose="02040503050406030204" pitchFamily="18" charset="0"/>
                                 </a:rPr>
-                                <m:t>+</m:t>
-                              </m:r>
-                              <m:r>
-                                <a:rPr lang="en-US" b="0" i="1" smtClean="0">
-                                  <a:latin typeface="Cambria Math" panose="02040503050406030204" pitchFamily="18" charset="0"/>
-                                </a:rPr>
-                                <m:t>7</m:t>
+                                <m:t>+7</m:t>
                               </m:r>
                             </m:e>
                             <m:e>
@@ -20250,13 +17280,7 @@
                                 <a:rPr lang="en-US" b="0" i="1" smtClean="0">
                                   <a:latin typeface="Cambria Math" panose="02040503050406030204" pitchFamily="18" charset="0"/>
                                 </a:rPr>
-                                <m:t>=</m:t>
-                              </m:r>
-                              <m:r>
-                                <a:rPr lang="en-US" b="0" i="1" smtClean="0">
-                                  <a:latin typeface="Cambria Math" panose="02040503050406030204" pitchFamily="18" charset="0"/>
-                                </a:rPr>
-                                <m:t>18</m:t>
+                                <m:t>=18</m:t>
                               </m:r>
                               <m:r>
                                 <a:rPr lang="en-US" b="0" i="1" smtClean="0">
@@ -20268,13 +17292,7 @@
                                 <a:rPr lang="en-US" b="0" i="1" smtClean="0">
                                   <a:latin typeface="Cambria Math" panose="02040503050406030204" pitchFamily="18" charset="0"/>
                                 </a:rPr>
-                                <m:t>−</m:t>
-                              </m:r>
-                              <m:r>
-                                <a:rPr lang="en-US" b="0" i="1" smtClean="0">
-                                  <a:latin typeface="Cambria Math" panose="02040503050406030204" pitchFamily="18" charset="0"/>
-                                </a:rPr>
-                                <m:t>17</m:t>
+                                <m:t>−17</m:t>
                               </m:r>
                             </m:e>
                           </m:eqArr>
@@ -20388,13 +17406,7 @@
                                 <a:rPr lang="en-US" b="0" i="1" smtClean="0">
                                   <a:latin typeface="Cambria Math" panose="02040503050406030204" pitchFamily="18" charset="0"/>
                                 </a:rPr>
-                                <m:t>=</m:t>
-                              </m:r>
-                              <m:r>
-                                <a:rPr lang="en-US" b="0" i="1" smtClean="0">
-                                  <a:latin typeface="Cambria Math" panose="02040503050406030204" pitchFamily="18" charset="0"/>
-                                </a:rPr>
-                                <m:t>5</m:t>
+                                <m:t>=5</m:t>
                               </m:r>
                               <m:r>
                                 <a:rPr lang="en-US" b="0" i="1" smtClean="0">
@@ -20406,13 +17418,7 @@
                                 <a:rPr lang="en-US" b="0" i="1" smtClean="0">
                                   <a:latin typeface="Cambria Math" panose="02040503050406030204" pitchFamily="18" charset="0"/>
                                 </a:rPr>
-                                <m:t>+</m:t>
-                              </m:r>
-                              <m:r>
-                                <a:rPr lang="en-US" b="0" i="1" smtClean="0">
-                                  <a:latin typeface="Cambria Math" panose="02040503050406030204" pitchFamily="18" charset="0"/>
-                                </a:rPr>
-                                <m:t>7</m:t>
+                                <m:t>+7</m:t>
                               </m:r>
                             </m:e>
                             <m:e>
@@ -20426,25 +17432,7 @@
                                 <a:rPr lang="en-US" i="1">
                                   <a:latin typeface="Cambria Math" panose="02040503050406030204" pitchFamily="18" charset="0"/>
                                 </a:rPr>
-                                <m:t>=</m:t>
-                              </m:r>
-                              <m:r>
-                                <a:rPr lang="en-US" i="1">
-                                  <a:latin typeface="Cambria Math" panose="02040503050406030204" pitchFamily="18" charset="0"/>
-                                </a:rPr>
-                                <m:t>5</m:t>
-                              </m:r>
-                              <m:r>
-                                <a:rPr lang="en-US" i="1">
-                                  <a:latin typeface="Cambria Math" panose="02040503050406030204" pitchFamily="18" charset="0"/>
-                                </a:rPr>
-                                <m:t>.</m:t>
-                              </m:r>
-                              <m:r>
-                                <a:rPr lang="en-US" i="1">
-                                  <a:latin typeface="Cambria Math" panose="02040503050406030204" pitchFamily="18" charset="0"/>
-                                </a:rPr>
-                                <m:t>002</m:t>
+                                <m:t>=5.002</m:t>
                               </m:r>
                               <m:r>
                                 <a:rPr lang="en-US" i="1">
@@ -20456,25 +17444,7 @@
                                 <a:rPr lang="en-US" i="1">
                                   <a:latin typeface="Cambria Math" panose="02040503050406030204" pitchFamily="18" charset="0"/>
                                 </a:rPr>
-                                <m:t>+</m:t>
-                              </m:r>
-                              <m:r>
-                                <a:rPr lang="en-US" i="1">
-                                  <a:latin typeface="Cambria Math" panose="02040503050406030204" pitchFamily="18" charset="0"/>
-                                </a:rPr>
-                                <m:t>6</m:t>
-                              </m:r>
-                              <m:r>
-                                <a:rPr lang="en-US" i="1">
-                                  <a:latin typeface="Cambria Math" panose="02040503050406030204" pitchFamily="18" charset="0"/>
-                                </a:rPr>
-                                <m:t>.</m:t>
-                              </m:r>
-                              <m:r>
-                                <a:rPr lang="en-US" i="1">
-                                  <a:latin typeface="Cambria Math" panose="02040503050406030204" pitchFamily="18" charset="0"/>
-                                </a:rPr>
-                                <m:t>99</m:t>
+                                <m:t>+6.99</m:t>
                               </m:r>
                             </m:e>
                           </m:eqArr>
